--- a/docs/diagrams/ModelComponentClassDiagram.pptx
+++ b/docs/diagrams/ModelComponentClassDiagram.pptx
@@ -208,7 +208,7 @@
           <a:p>
             <a:fld id="{F5CC4B3F-88C1-4FFA-B1B6-F41C21DC6924}" type="datetimeFigureOut">
               <a:rPr lang="en-US" smtClean="0"/>
-              <a:t>1/1/18</a:t>
+              <a:t>3/20/2018</a:t>
             </a:fld>
             <a:endParaRPr lang="en-US"/>
           </a:p>
@@ -272,38 +272,37 @@
           <a:p>
             <a:pPr lvl="0"/>
             <a:r>
-              <a:rPr lang="en-US" smtClean="0"/>
+              <a:rPr lang="en-US"/>
               <a:t>Click to edit Master text styles</a:t>
             </a:r>
           </a:p>
           <a:p>
             <a:pPr lvl="1"/>
             <a:r>
-              <a:rPr lang="en-US" smtClean="0"/>
+              <a:rPr lang="en-US"/>
               <a:t>Second level</a:t>
             </a:r>
           </a:p>
           <a:p>
             <a:pPr lvl="2"/>
             <a:r>
-              <a:rPr lang="en-US" smtClean="0"/>
+              <a:rPr lang="en-US"/>
               <a:t>Third level</a:t>
             </a:r>
           </a:p>
           <a:p>
             <a:pPr lvl="3"/>
             <a:r>
-              <a:rPr lang="en-US" smtClean="0"/>
+              <a:rPr lang="en-US"/>
               <a:t>Fourth level</a:t>
             </a:r>
           </a:p>
           <a:p>
             <a:pPr lvl="4"/>
             <a:r>
-              <a:rPr lang="en-US" smtClean="0"/>
+              <a:rPr lang="en-US"/>
               <a:t>Fifth level</a:t>
             </a:r>
-            <a:endParaRPr lang="en-US"/>
           </a:p>
         </p:txBody>
       </p:sp>
@@ -514,10 +513,9 @@
           <a:lstStyle/>
           <a:p>
             <a:r>
-              <a:rPr lang="en-US" smtClean="0"/>
+              <a:rPr lang="en-US"/>
               <a:t>Click to edit Master title style</a:t>
             </a:r>
-            <a:endParaRPr lang="en-US"/>
           </a:p>
         </p:txBody>
       </p:sp>
@@ -633,10 +631,9 @@
           </a:lstStyle>
           <a:p>
             <a:r>
-              <a:rPr lang="en-US" smtClean="0"/>
+              <a:rPr lang="en-US"/>
               <a:t>Click to edit Master subtitle style</a:t>
             </a:r>
-            <a:endParaRPr lang="en-US"/>
           </a:p>
         </p:txBody>
       </p:sp>
@@ -657,7 +654,7 @@
           <a:p>
             <a:fld id="{78C97017-6FC3-485B-9764-EAC9E56C1D49}" type="datetimeFigureOut">
               <a:rPr lang="en-US" smtClean="0"/>
-              <a:t>1/1/18</a:t>
+              <a:t>3/20/2018</a:t>
             </a:fld>
             <a:endParaRPr lang="en-US"/>
           </a:p>
@@ -751,10 +748,9 @@
           <a:lstStyle/>
           <a:p>
             <a:r>
-              <a:rPr lang="en-US" smtClean="0"/>
+              <a:rPr lang="en-US"/>
               <a:t>Click to edit Master title style</a:t>
             </a:r>
-            <a:endParaRPr lang="en-US"/>
           </a:p>
         </p:txBody>
       </p:sp>
@@ -775,38 +771,37 @@
           <a:p>
             <a:pPr lvl="0"/>
             <a:r>
-              <a:rPr lang="en-US" smtClean="0"/>
+              <a:rPr lang="en-US"/>
               <a:t>Click to edit Master text styles</a:t>
             </a:r>
           </a:p>
           <a:p>
             <a:pPr lvl="1"/>
             <a:r>
-              <a:rPr lang="en-US" smtClean="0"/>
+              <a:rPr lang="en-US"/>
               <a:t>Second level</a:t>
             </a:r>
           </a:p>
           <a:p>
             <a:pPr lvl="2"/>
             <a:r>
-              <a:rPr lang="en-US" smtClean="0"/>
+              <a:rPr lang="en-US"/>
               <a:t>Third level</a:t>
             </a:r>
           </a:p>
           <a:p>
             <a:pPr lvl="3"/>
             <a:r>
-              <a:rPr lang="en-US" smtClean="0"/>
+              <a:rPr lang="en-US"/>
               <a:t>Fourth level</a:t>
             </a:r>
           </a:p>
           <a:p>
             <a:pPr lvl="4"/>
             <a:r>
-              <a:rPr lang="en-US" smtClean="0"/>
+              <a:rPr lang="en-US"/>
               <a:t>Fifth level</a:t>
             </a:r>
-            <a:endParaRPr lang="en-US"/>
           </a:p>
         </p:txBody>
       </p:sp>
@@ -827,7 +822,7 @@
           <a:p>
             <a:fld id="{78C97017-6FC3-485B-9764-EAC9E56C1D49}" type="datetimeFigureOut">
               <a:rPr lang="en-US" smtClean="0"/>
-              <a:t>1/1/18</a:t>
+              <a:t>3/20/2018</a:t>
             </a:fld>
             <a:endParaRPr lang="en-US"/>
           </a:p>
@@ -926,10 +921,9 @@
           <a:lstStyle/>
           <a:p>
             <a:r>
-              <a:rPr lang="en-US" smtClean="0"/>
+              <a:rPr lang="en-US"/>
               <a:t>Click to edit Master title style</a:t>
             </a:r>
-            <a:endParaRPr lang="en-US"/>
           </a:p>
         </p:txBody>
       </p:sp>
@@ -955,38 +949,37 @@
           <a:p>
             <a:pPr lvl="0"/>
             <a:r>
-              <a:rPr lang="en-US" smtClean="0"/>
+              <a:rPr lang="en-US"/>
               <a:t>Click to edit Master text styles</a:t>
             </a:r>
           </a:p>
           <a:p>
             <a:pPr lvl="1"/>
             <a:r>
-              <a:rPr lang="en-US" smtClean="0"/>
+              <a:rPr lang="en-US"/>
               <a:t>Second level</a:t>
             </a:r>
           </a:p>
           <a:p>
             <a:pPr lvl="2"/>
             <a:r>
-              <a:rPr lang="en-US" smtClean="0"/>
+              <a:rPr lang="en-US"/>
               <a:t>Third level</a:t>
             </a:r>
           </a:p>
           <a:p>
             <a:pPr lvl="3"/>
             <a:r>
-              <a:rPr lang="en-US" smtClean="0"/>
+              <a:rPr lang="en-US"/>
               <a:t>Fourth level</a:t>
             </a:r>
           </a:p>
           <a:p>
             <a:pPr lvl="4"/>
             <a:r>
-              <a:rPr lang="en-US" smtClean="0"/>
+              <a:rPr lang="en-US"/>
               <a:t>Fifth level</a:t>
             </a:r>
-            <a:endParaRPr lang="en-US"/>
           </a:p>
         </p:txBody>
       </p:sp>
@@ -1007,7 +1000,7 @@
           <a:p>
             <a:fld id="{78C97017-6FC3-485B-9764-EAC9E56C1D49}" type="datetimeFigureOut">
               <a:rPr lang="en-US" smtClean="0"/>
-              <a:t>1/1/18</a:t>
+              <a:t>3/20/2018</a:t>
             </a:fld>
             <a:endParaRPr lang="en-US"/>
           </a:p>
@@ -1101,10 +1094,9 @@
           <a:lstStyle/>
           <a:p>
             <a:r>
-              <a:rPr lang="en-US" smtClean="0"/>
+              <a:rPr lang="en-US"/>
               <a:t>Click to edit Master title style</a:t>
             </a:r>
-            <a:endParaRPr lang="en-US"/>
           </a:p>
         </p:txBody>
       </p:sp>
@@ -1125,38 +1117,37 @@
           <a:p>
             <a:pPr lvl="0"/>
             <a:r>
-              <a:rPr lang="en-US" smtClean="0"/>
+              <a:rPr lang="en-US"/>
               <a:t>Click to edit Master text styles</a:t>
             </a:r>
           </a:p>
           <a:p>
             <a:pPr lvl="1"/>
             <a:r>
-              <a:rPr lang="en-US" smtClean="0"/>
+              <a:rPr lang="en-US"/>
               <a:t>Second level</a:t>
             </a:r>
           </a:p>
           <a:p>
             <a:pPr lvl="2"/>
             <a:r>
-              <a:rPr lang="en-US" smtClean="0"/>
+              <a:rPr lang="en-US"/>
               <a:t>Third level</a:t>
             </a:r>
           </a:p>
           <a:p>
             <a:pPr lvl="3"/>
             <a:r>
-              <a:rPr lang="en-US" smtClean="0"/>
+              <a:rPr lang="en-US"/>
               <a:t>Fourth level</a:t>
             </a:r>
           </a:p>
           <a:p>
             <a:pPr lvl="4"/>
             <a:r>
-              <a:rPr lang="en-US" smtClean="0"/>
+              <a:rPr lang="en-US"/>
               <a:t>Fifth level</a:t>
             </a:r>
-            <a:endParaRPr lang="en-US"/>
           </a:p>
         </p:txBody>
       </p:sp>
@@ -1177,7 +1168,7 @@
           <a:p>
             <a:fld id="{78C97017-6FC3-485B-9764-EAC9E56C1D49}" type="datetimeFigureOut">
               <a:rPr lang="en-US" smtClean="0"/>
-              <a:t>1/1/18</a:t>
+              <a:t>3/20/2018</a:t>
             </a:fld>
             <a:endParaRPr lang="en-US"/>
           </a:p>
@@ -1280,10 +1271,9 @@
           </a:lstStyle>
           <a:p>
             <a:r>
-              <a:rPr lang="en-US" smtClean="0"/>
+              <a:rPr lang="en-US"/>
               <a:t>Click to edit Master title style</a:t>
             </a:r>
-            <a:endParaRPr lang="en-US"/>
           </a:p>
         </p:txBody>
       </p:sp>
@@ -1400,7 +1390,7 @@
           <a:p>
             <a:pPr lvl="0"/>
             <a:r>
-              <a:rPr lang="en-US" smtClean="0"/>
+              <a:rPr lang="en-US"/>
               <a:t>Click to edit Master text styles</a:t>
             </a:r>
           </a:p>
@@ -1423,7 +1413,7 @@
           <a:p>
             <a:fld id="{78C97017-6FC3-485B-9764-EAC9E56C1D49}" type="datetimeFigureOut">
               <a:rPr lang="en-US" smtClean="0"/>
-              <a:t>1/1/18</a:t>
+              <a:t>3/20/2018</a:t>
             </a:fld>
             <a:endParaRPr lang="en-US"/>
           </a:p>
@@ -1517,10 +1507,9 @@
           <a:lstStyle/>
           <a:p>
             <a:r>
-              <a:rPr lang="en-US" smtClean="0"/>
+              <a:rPr lang="en-US"/>
               <a:t>Click to edit Master title style</a:t>
             </a:r>
-            <a:endParaRPr lang="en-US"/>
           </a:p>
         </p:txBody>
       </p:sp>
@@ -1574,38 +1563,37 @@
           <a:p>
             <a:pPr lvl="0"/>
             <a:r>
-              <a:rPr lang="en-US" smtClean="0"/>
+              <a:rPr lang="en-US"/>
               <a:t>Click to edit Master text styles</a:t>
             </a:r>
           </a:p>
           <a:p>
             <a:pPr lvl="1"/>
             <a:r>
-              <a:rPr lang="en-US" smtClean="0"/>
+              <a:rPr lang="en-US"/>
               <a:t>Second level</a:t>
             </a:r>
           </a:p>
           <a:p>
             <a:pPr lvl="2"/>
             <a:r>
-              <a:rPr lang="en-US" smtClean="0"/>
+              <a:rPr lang="en-US"/>
               <a:t>Third level</a:t>
             </a:r>
           </a:p>
           <a:p>
             <a:pPr lvl="3"/>
             <a:r>
-              <a:rPr lang="en-US" smtClean="0"/>
+              <a:rPr lang="en-US"/>
               <a:t>Fourth level</a:t>
             </a:r>
           </a:p>
           <a:p>
             <a:pPr lvl="4"/>
             <a:r>
-              <a:rPr lang="en-US" smtClean="0"/>
+              <a:rPr lang="en-US"/>
               <a:t>Fifth level</a:t>
             </a:r>
-            <a:endParaRPr lang="en-US"/>
           </a:p>
         </p:txBody>
       </p:sp>
@@ -1659,38 +1647,37 @@
           <a:p>
             <a:pPr lvl="0"/>
             <a:r>
-              <a:rPr lang="en-US" smtClean="0"/>
+              <a:rPr lang="en-US"/>
               <a:t>Click to edit Master text styles</a:t>
             </a:r>
           </a:p>
           <a:p>
             <a:pPr lvl="1"/>
             <a:r>
-              <a:rPr lang="en-US" smtClean="0"/>
+              <a:rPr lang="en-US"/>
               <a:t>Second level</a:t>
             </a:r>
           </a:p>
           <a:p>
             <a:pPr lvl="2"/>
             <a:r>
-              <a:rPr lang="en-US" smtClean="0"/>
+              <a:rPr lang="en-US"/>
               <a:t>Third level</a:t>
             </a:r>
           </a:p>
           <a:p>
             <a:pPr lvl="3"/>
             <a:r>
-              <a:rPr lang="en-US" smtClean="0"/>
+              <a:rPr lang="en-US"/>
               <a:t>Fourth level</a:t>
             </a:r>
           </a:p>
           <a:p>
             <a:pPr lvl="4"/>
             <a:r>
-              <a:rPr lang="en-US" smtClean="0"/>
+              <a:rPr lang="en-US"/>
               <a:t>Fifth level</a:t>
             </a:r>
-            <a:endParaRPr lang="en-US"/>
           </a:p>
         </p:txBody>
       </p:sp>
@@ -1711,7 +1698,7 @@
           <a:p>
             <a:fld id="{78C97017-6FC3-485B-9764-EAC9E56C1D49}" type="datetimeFigureOut">
               <a:rPr lang="en-US" smtClean="0"/>
-              <a:t>1/1/18</a:t>
+              <a:t>3/20/2018</a:t>
             </a:fld>
             <a:endParaRPr lang="en-US"/>
           </a:p>
@@ -1809,10 +1796,9 @@
           </a:lstStyle>
           <a:p>
             <a:r>
-              <a:rPr lang="en-US" smtClean="0"/>
+              <a:rPr lang="en-US"/>
               <a:t>Click to edit Master title style</a:t>
             </a:r>
-            <a:endParaRPr lang="en-US"/>
           </a:p>
         </p:txBody>
       </p:sp>
@@ -1875,7 +1861,7 @@
           <a:p>
             <a:pPr lvl="0"/>
             <a:r>
-              <a:rPr lang="en-US" smtClean="0"/>
+              <a:rPr lang="en-US"/>
               <a:t>Click to edit Master text styles</a:t>
             </a:r>
           </a:p>
@@ -1931,38 +1917,37 @@
           <a:p>
             <a:pPr lvl="0"/>
             <a:r>
-              <a:rPr lang="en-US" smtClean="0"/>
+              <a:rPr lang="en-US"/>
               <a:t>Click to edit Master text styles</a:t>
             </a:r>
           </a:p>
           <a:p>
             <a:pPr lvl="1"/>
             <a:r>
-              <a:rPr lang="en-US" smtClean="0"/>
+              <a:rPr lang="en-US"/>
               <a:t>Second level</a:t>
             </a:r>
           </a:p>
           <a:p>
             <a:pPr lvl="2"/>
             <a:r>
-              <a:rPr lang="en-US" smtClean="0"/>
+              <a:rPr lang="en-US"/>
               <a:t>Third level</a:t>
             </a:r>
           </a:p>
           <a:p>
             <a:pPr lvl="3"/>
             <a:r>
-              <a:rPr lang="en-US" smtClean="0"/>
+              <a:rPr lang="en-US"/>
               <a:t>Fourth level</a:t>
             </a:r>
           </a:p>
           <a:p>
             <a:pPr lvl="4"/>
             <a:r>
-              <a:rPr lang="en-US" smtClean="0"/>
+              <a:rPr lang="en-US"/>
               <a:t>Fifth level</a:t>
             </a:r>
-            <a:endParaRPr lang="en-US"/>
           </a:p>
         </p:txBody>
       </p:sp>
@@ -2025,7 +2010,7 @@
           <a:p>
             <a:pPr lvl="0"/>
             <a:r>
-              <a:rPr lang="en-US" smtClean="0"/>
+              <a:rPr lang="en-US"/>
               <a:t>Click to edit Master text styles</a:t>
             </a:r>
           </a:p>
@@ -2081,38 +2066,37 @@
           <a:p>
             <a:pPr lvl="0"/>
             <a:r>
-              <a:rPr lang="en-US" smtClean="0"/>
+              <a:rPr lang="en-US"/>
               <a:t>Click to edit Master text styles</a:t>
             </a:r>
           </a:p>
           <a:p>
             <a:pPr lvl="1"/>
             <a:r>
-              <a:rPr lang="en-US" smtClean="0"/>
+              <a:rPr lang="en-US"/>
               <a:t>Second level</a:t>
             </a:r>
           </a:p>
           <a:p>
             <a:pPr lvl="2"/>
             <a:r>
-              <a:rPr lang="en-US" smtClean="0"/>
+              <a:rPr lang="en-US"/>
               <a:t>Third level</a:t>
             </a:r>
           </a:p>
           <a:p>
             <a:pPr lvl="3"/>
             <a:r>
-              <a:rPr lang="en-US" smtClean="0"/>
+              <a:rPr lang="en-US"/>
               <a:t>Fourth level</a:t>
             </a:r>
           </a:p>
           <a:p>
             <a:pPr lvl="4"/>
             <a:r>
-              <a:rPr lang="en-US" smtClean="0"/>
+              <a:rPr lang="en-US"/>
               <a:t>Fifth level</a:t>
             </a:r>
-            <a:endParaRPr lang="en-US"/>
           </a:p>
         </p:txBody>
       </p:sp>
@@ -2133,7 +2117,7 @@
           <a:p>
             <a:fld id="{78C97017-6FC3-485B-9764-EAC9E56C1D49}" type="datetimeFigureOut">
               <a:rPr lang="en-US" smtClean="0"/>
-              <a:t>1/1/18</a:t>
+              <a:t>3/20/2018</a:t>
             </a:fld>
             <a:endParaRPr lang="en-US"/>
           </a:p>
@@ -2227,10 +2211,9 @@
           <a:lstStyle/>
           <a:p>
             <a:r>
-              <a:rPr lang="en-US" smtClean="0"/>
+              <a:rPr lang="en-US"/>
               <a:t>Click to edit Master title style</a:t>
             </a:r>
-            <a:endParaRPr lang="en-US"/>
           </a:p>
         </p:txBody>
       </p:sp>
@@ -2251,7 +2234,7 @@
           <a:p>
             <a:fld id="{78C97017-6FC3-485B-9764-EAC9E56C1D49}" type="datetimeFigureOut">
               <a:rPr lang="en-US" smtClean="0"/>
-              <a:t>1/1/18</a:t>
+              <a:t>3/20/2018</a:t>
             </a:fld>
             <a:endParaRPr lang="en-US"/>
           </a:p>
@@ -2346,7 +2329,7 @@
           <a:p>
             <a:fld id="{78C97017-6FC3-485B-9764-EAC9E56C1D49}" type="datetimeFigureOut">
               <a:rPr lang="en-US" smtClean="0"/>
-              <a:t>1/1/18</a:t>
+              <a:t>3/20/2018</a:t>
             </a:fld>
             <a:endParaRPr lang="en-US"/>
           </a:p>
@@ -2449,10 +2432,9 @@
           </a:lstStyle>
           <a:p>
             <a:r>
-              <a:rPr lang="en-US" smtClean="0"/>
+              <a:rPr lang="en-US"/>
               <a:t>Click to edit Master title style</a:t>
             </a:r>
-            <a:endParaRPr lang="en-US"/>
           </a:p>
         </p:txBody>
       </p:sp>
@@ -2506,38 +2488,37 @@
           <a:p>
             <a:pPr lvl="0"/>
             <a:r>
-              <a:rPr lang="en-US" smtClean="0"/>
+              <a:rPr lang="en-US"/>
               <a:t>Click to edit Master text styles</a:t>
             </a:r>
           </a:p>
           <a:p>
             <a:pPr lvl="1"/>
             <a:r>
-              <a:rPr lang="en-US" smtClean="0"/>
+              <a:rPr lang="en-US"/>
               <a:t>Second level</a:t>
             </a:r>
           </a:p>
           <a:p>
             <a:pPr lvl="2"/>
             <a:r>
-              <a:rPr lang="en-US" smtClean="0"/>
+              <a:rPr lang="en-US"/>
               <a:t>Third level</a:t>
             </a:r>
           </a:p>
           <a:p>
             <a:pPr lvl="3"/>
             <a:r>
-              <a:rPr lang="en-US" smtClean="0"/>
+              <a:rPr lang="en-US"/>
               <a:t>Fourth level</a:t>
             </a:r>
           </a:p>
           <a:p>
             <a:pPr lvl="4"/>
             <a:r>
-              <a:rPr lang="en-US" smtClean="0"/>
+              <a:rPr lang="en-US"/>
               <a:t>Fifth level</a:t>
             </a:r>
-            <a:endParaRPr lang="en-US"/>
           </a:p>
         </p:txBody>
       </p:sp>
@@ -2600,7 +2581,7 @@
           <a:p>
             <a:pPr lvl="0"/>
             <a:r>
-              <a:rPr lang="en-US" smtClean="0"/>
+              <a:rPr lang="en-US"/>
               <a:t>Click to edit Master text styles</a:t>
             </a:r>
           </a:p>
@@ -2623,7 +2604,7 @@
           <a:p>
             <a:fld id="{78C97017-6FC3-485B-9764-EAC9E56C1D49}" type="datetimeFigureOut">
               <a:rPr lang="en-US" smtClean="0"/>
-              <a:t>1/1/18</a:t>
+              <a:t>3/20/2018</a:t>
             </a:fld>
             <a:endParaRPr lang="en-US"/>
           </a:p>
@@ -2726,10 +2707,9 @@
           </a:lstStyle>
           <a:p>
             <a:r>
-              <a:rPr lang="en-US" smtClean="0"/>
+              <a:rPr lang="en-US"/>
               <a:t>Click to edit Master title style</a:t>
             </a:r>
-            <a:endParaRPr lang="en-US"/>
           </a:p>
         </p:txBody>
       </p:sp>
@@ -2853,7 +2833,7 @@
           <a:p>
             <a:pPr lvl="0"/>
             <a:r>
-              <a:rPr lang="en-US" smtClean="0"/>
+              <a:rPr lang="en-US"/>
               <a:t>Click to edit Master text styles</a:t>
             </a:r>
           </a:p>
@@ -2876,7 +2856,7 @@
           <a:p>
             <a:fld id="{78C97017-6FC3-485B-9764-EAC9E56C1D49}" type="datetimeFigureOut">
               <a:rPr lang="en-US" smtClean="0"/>
-              <a:t>1/1/18</a:t>
+              <a:t>3/20/2018</a:t>
             </a:fld>
             <a:endParaRPr lang="en-US"/>
           </a:p>
@@ -2985,10 +2965,9 @@
           <a:lstStyle/>
           <a:p>
             <a:r>
-              <a:rPr lang="en-US" smtClean="0"/>
+              <a:rPr lang="en-US"/>
               <a:t>Click to edit Master title style</a:t>
             </a:r>
-            <a:endParaRPr lang="en-US"/>
           </a:p>
         </p:txBody>
       </p:sp>
@@ -3019,38 +2998,37 @@
           <a:p>
             <a:pPr lvl="0"/>
             <a:r>
-              <a:rPr lang="en-US" smtClean="0"/>
+              <a:rPr lang="en-US"/>
               <a:t>Click to edit Master text styles</a:t>
             </a:r>
           </a:p>
           <a:p>
             <a:pPr lvl="1"/>
             <a:r>
-              <a:rPr lang="en-US" smtClean="0"/>
+              <a:rPr lang="en-US"/>
               <a:t>Second level</a:t>
             </a:r>
           </a:p>
           <a:p>
             <a:pPr lvl="2"/>
             <a:r>
-              <a:rPr lang="en-US" smtClean="0"/>
+              <a:rPr lang="en-US"/>
               <a:t>Third level</a:t>
             </a:r>
           </a:p>
           <a:p>
             <a:pPr lvl="3"/>
             <a:r>
-              <a:rPr lang="en-US" smtClean="0"/>
+              <a:rPr lang="en-US"/>
               <a:t>Fourth level</a:t>
             </a:r>
           </a:p>
           <a:p>
             <a:pPr lvl="4"/>
             <a:r>
-              <a:rPr lang="en-US" smtClean="0"/>
+              <a:rPr lang="en-US"/>
               <a:t>Fifth level</a:t>
             </a:r>
-            <a:endParaRPr lang="en-US"/>
           </a:p>
         </p:txBody>
       </p:sp>
@@ -3089,7 +3067,7 @@
           <a:p>
             <a:fld id="{78C97017-6FC3-485B-9764-EAC9E56C1D49}" type="datetimeFigureOut">
               <a:rPr lang="en-US" smtClean="0"/>
-              <a:t>1/1/18</a:t>
+              <a:t>3/20/2018</a:t>
             </a:fld>
             <a:endParaRPr lang="en-US"/>
           </a:p>
@@ -3473,7 +3451,7 @@
         <p:spPr>
           <a:xfrm>
             <a:off x="1119865" y="1727200"/>
-            <a:ext cx="7490735" cy="2997200"/>
+            <a:ext cx="7643135" cy="3970640"/>
           </a:xfrm>
           <a:prstGeom prst="roundRect">
             <a:avLst>
@@ -3510,7 +3488,7 @@
           <a:lstStyle/>
           <a:p>
             <a:r>
-              <a:rPr lang="en-US" sz="1200" b="1" dirty="0" smtClean="0">
+              <a:rPr lang="en-US" sz="1200" b="1" dirty="0">
                 <a:solidFill>
                   <a:srgbClr val="7030A0"/>
                 </a:solidFill>
@@ -3569,7 +3547,7 @@
           <a:p>
             <a:pPr algn="ctr"/>
             <a:r>
-              <a:rPr lang="en-US" sz="1050" dirty="0" err="1" smtClean="0">
+              <a:rPr lang="en-US" sz="1050" dirty="0" err="1">
                 <a:solidFill>
                   <a:schemeClr val="bg1"/>
                 </a:solidFill>
@@ -3628,7 +3606,7 @@
           <a:p>
             <a:pPr algn="ctr"/>
             <a:r>
-              <a:rPr lang="en-US" sz="1050" dirty="0" err="1" smtClean="0">
+              <a:rPr lang="en-US" sz="1050" dirty="0" err="1">
                 <a:solidFill>
                   <a:schemeClr val="bg1"/>
                 </a:solidFill>
@@ -3742,7 +3720,7 @@
           <a:p>
             <a:pPr algn="ctr"/>
             <a:r>
-              <a:rPr lang="en-US" sz="1050" dirty="0" smtClean="0">
+              <a:rPr lang="en-US" sz="1050" dirty="0">
                 <a:solidFill>
                   <a:schemeClr val="bg1"/>
                 </a:solidFill>
@@ -4015,12 +3993,12 @@
           <a:p>
             <a:pPr algn="ctr"/>
             <a:r>
-              <a:rPr lang="en-US" sz="1050" dirty="0" err="1" smtClean="0">
+              <a:rPr lang="en-US" sz="1050" dirty="0" err="1">
                 <a:solidFill>
                   <a:srgbClr val="7030A0"/>
                 </a:solidFill>
               </a:rPr>
-              <a:t>AddressBook</a:t>
+              <a:t>EventPlanner</a:t>
             </a:r>
             <a:endParaRPr lang="en-SG" sz="1050" dirty="0">
               <a:solidFill>
@@ -4157,7 +4135,7 @@
           <a:p>
             <a:pPr algn="ctr"/>
             <a:r>
-              <a:rPr lang="en-US" sz="1050" dirty="0" err="1" smtClean="0">
+              <a:rPr lang="en-US" sz="1050" dirty="0" err="1">
                 <a:solidFill>
                   <a:srgbClr val="7030A0"/>
                 </a:solidFill>
@@ -4301,7 +4279,7 @@
           <a:p>
             <a:pPr algn="ctr"/>
             <a:r>
-              <a:rPr lang="en-US" sz="1050" dirty="0" err="1" smtClean="0">
+              <a:rPr lang="en-US" sz="1050" dirty="0" err="1">
                 <a:solidFill>
                   <a:srgbClr val="7030A0"/>
                 </a:solidFill>
@@ -4400,7 +4378,7 @@
           <a:p>
             <a:pPr algn="ctr"/>
             <a:r>
-              <a:rPr lang="en-US" sz="1050" dirty="0" smtClean="0">
+              <a:rPr lang="en-US" sz="1050" dirty="0">
                 <a:solidFill>
                   <a:srgbClr val="7030A0"/>
                 </a:solidFill>
@@ -4542,7 +4520,7 @@
           <a:p>
             <a:pPr algn="ctr"/>
             <a:r>
-              <a:rPr lang="en-US" sz="1050" dirty="0" smtClean="0">
+              <a:rPr lang="en-US" sz="1050" dirty="0">
                 <a:solidFill>
                   <a:srgbClr val="7030A0"/>
                 </a:solidFill>
@@ -4684,12 +4662,12 @@
           <a:p>
             <a:pPr algn="ctr"/>
             <a:r>
-              <a:rPr lang="en-US" sz="1050" dirty="0" smtClean="0">
+              <a:rPr lang="en-US" sz="1050" dirty="0">
                 <a:solidFill>
                   <a:srgbClr val="7030A0"/>
                 </a:solidFill>
               </a:rPr>
-              <a:t>Name</a:t>
+              <a:t>Address</a:t>
             </a:r>
             <a:endParaRPr lang="en-SG" sz="1050" dirty="0">
               <a:solidFill>
@@ -4828,7 +4806,7 @@
           <a:p>
             <a:pPr algn="ctr"/>
             <a:r>
-              <a:rPr lang="en-US" sz="1050" dirty="0" smtClean="0">
+              <a:rPr lang="en-US" sz="1050" dirty="0">
                 <a:solidFill>
                   <a:srgbClr val="7030A0"/>
                 </a:solidFill>
@@ -4925,7 +4903,7 @@
           <a:p>
             <a:pPr algn="ctr"/>
             <a:r>
-              <a:rPr lang="en-US" sz="1050" dirty="0" smtClean="0">
+              <a:rPr lang="en-US" sz="1050" dirty="0">
                 <a:solidFill>
                   <a:srgbClr val="7030A0"/>
                 </a:solidFill>
@@ -5022,12 +5000,12 @@
           <a:p>
             <a:pPr algn="ctr"/>
             <a:r>
-              <a:rPr lang="en-US" sz="1050" dirty="0" smtClean="0">
+              <a:rPr lang="en-US" sz="1050" dirty="0">
                 <a:solidFill>
                   <a:srgbClr val="7030A0"/>
                 </a:solidFill>
               </a:rPr>
-              <a:t>Address</a:t>
+              <a:t>Name</a:t>
             </a:r>
             <a:endParaRPr lang="en-SG" sz="1050" dirty="0">
               <a:solidFill>
@@ -5210,7 +5188,7 @@
           <a:p>
             <a:pPr algn="ctr"/>
             <a:r>
-              <a:rPr lang="en-US" sz="1050" dirty="0" smtClean="0">
+              <a:rPr lang="en-US" sz="1050" dirty="0">
                 <a:solidFill>
                   <a:srgbClr val="7030A0"/>
                 </a:solidFill>
@@ -5218,19 +5196,19 @@
               <a:t>&lt;&lt;interface&gt;&gt;</a:t>
             </a:r>
             <a:br>
-              <a:rPr lang="en-US" sz="1050" dirty="0" smtClean="0">
+              <a:rPr lang="en-US" sz="1050" dirty="0">
                 <a:solidFill>
                   <a:srgbClr val="7030A0"/>
                 </a:solidFill>
               </a:rPr>
             </a:br>
             <a:r>
-              <a:rPr lang="en-US" sz="1050" dirty="0" err="1" smtClean="0">
+              <a:rPr lang="en-US" sz="1050" dirty="0" err="1">
                 <a:solidFill>
                   <a:srgbClr val="7030A0"/>
                 </a:solidFill>
               </a:rPr>
-              <a:t>ReadOnlyAddressBook</a:t>
+              <a:t>ReadOnlyEventPlanner</a:t>
             </a:r>
             <a:endParaRPr lang="en-SG" sz="1050" dirty="0">
               <a:solidFill>
@@ -5264,7 +5242,7 @@
           <a:p>
             <a:pPr algn="r"/>
             <a:r>
-              <a:rPr lang="en-US" sz="1100" dirty="0" smtClean="0">
+              <a:rPr lang="en-US" sz="1100" dirty="0">
                 <a:solidFill>
                   <a:srgbClr val="7030A0"/>
                 </a:solidFill>
@@ -5287,7 +5265,7 @@
         </p:nvSpPr>
         <p:spPr>
           <a:xfrm>
-            <a:off x="2057401" y="4239491"/>
+            <a:off x="2103433" y="5150307"/>
             <a:ext cx="1066800" cy="346760"/>
           </a:xfrm>
           <a:prstGeom prst="rect">
@@ -5320,30 +5298,22 @@
           <a:p>
             <a:pPr algn="ctr"/>
             <a:r>
-              <a:rPr lang="en-US" sz="1050" dirty="0" smtClean="0">
+              <a:rPr lang="en-US" sz="1050" dirty="0">
                 <a:solidFill>
                   <a:srgbClr val="7030A0"/>
                 </a:solidFill>
               </a:rPr>
               <a:t>&lt;&lt;interface&gt;&gt;</a:t>
             </a:r>
-            <a:r>
-              <a:rPr lang="en-US" sz="1050">
-                <a:solidFill>
-                  <a:srgbClr val="7030A0"/>
-                </a:solidFill>
-              </a:rPr>
-              <a:t/>
-            </a:r>
             <a:br>
-              <a:rPr lang="en-US" sz="1050">
+              <a:rPr lang="en-US" sz="1050" dirty="0">
                 <a:solidFill>
                   <a:srgbClr val="7030A0"/>
                 </a:solidFill>
               </a:rPr>
             </a:br>
             <a:r>
-              <a:rPr lang="en-US" sz="1050" dirty="0" err="1" smtClean="0">
+              <a:rPr lang="en-US" sz="1050" dirty="0" err="1">
                 <a:solidFill>
                   <a:srgbClr val="7030A0"/>
                 </a:solidFill>
@@ -5362,15 +5332,15 @@
         <p:nvCxnSpPr>
           <p:cNvPr id="124" name="Elbow Connector 122"/>
           <p:cNvCxnSpPr>
-            <a:stCxn id="119" idx="1"/>
+            <a:cxnSpLocks/>
             <a:endCxn id="122" idx="1"/>
           </p:cNvCxnSpPr>
           <p:nvPr/>
         </p:nvCxnSpPr>
         <p:spPr>
           <a:xfrm rot="16200000" flipH="1">
-            <a:off x="1364475" y="3719944"/>
-            <a:ext cx="831471" cy="554381"/>
+            <a:off x="935824" y="4156078"/>
+            <a:ext cx="1734804" cy="600413"/>
           </a:xfrm>
           <a:prstGeom prst="bentConnector2">
             <a:avLst/>
@@ -5404,15 +5374,15 @@
         <p:nvCxnSpPr>
           <p:cNvPr id="50" name="Elbow Connector 49"/>
           <p:cNvCxnSpPr>
+            <a:cxnSpLocks/>
             <a:stCxn id="62" idx="0"/>
-            <a:endCxn id="57" idx="3"/>
           </p:cNvCxnSpPr>
           <p:nvPr/>
         </p:nvCxnSpPr>
         <p:spPr>
           <a:xfrm rot="16200000" flipV="1">
-            <a:off x="5948976" y="2139271"/>
-            <a:ext cx="404117" cy="1033473"/>
+            <a:off x="5974091" y="2164386"/>
+            <a:ext cx="362817" cy="1024543"/>
           </a:xfrm>
           <a:prstGeom prst="bentConnector2">
             <a:avLst/>
@@ -5465,7 +5435,46 @@
           <a:p>
             <a:pPr algn="ctr"/>
             <a:r>
-              <a:rPr lang="en-US" sz="1100" dirty="0" smtClean="0">
+              <a:rPr lang="en-US" sz="1100" dirty="0">
+                <a:solidFill>
+                  <a:srgbClr val="7030A0"/>
+                </a:solidFill>
+              </a:rPr>
+              <a:t>2</a:t>
+            </a:r>
+            <a:endParaRPr lang="en-SG" sz="1100" dirty="0">
+              <a:solidFill>
+                <a:srgbClr val="7030A0"/>
+              </a:solidFill>
+            </a:endParaRPr>
+          </a:p>
+        </p:txBody>
+      </p:sp>
+      <p:sp>
+        <p:nvSpPr>
+          <p:cNvPr id="54" name="TextBox 53"/>
+          <p:cNvSpPr txBox="1"/>
+          <p:nvPr/>
+        </p:nvSpPr>
+        <p:spPr>
+          <a:xfrm>
+            <a:off x="4324972" y="3058864"/>
+            <a:ext cx="189257" cy="178683"/>
+          </a:xfrm>
+          <a:prstGeom prst="rect">
+            <a:avLst/>
+          </a:prstGeom>
+          <a:noFill/>
+        </p:spPr>
+        <p:txBody>
+          <a:bodyPr wrap="square" lIns="0" tIns="0" rIns="0" bIns="0" rtlCol="0">
+            <a:noAutofit/>
+          </a:bodyPr>
+          <a:lstStyle/>
+          <a:p>
+            <a:pPr algn="ctr"/>
+            <a:r>
+              <a:rPr lang="en-US" sz="1100" dirty="0">
                 <a:solidFill>
                   <a:srgbClr val="7030A0"/>
                 </a:solidFill>
@@ -5482,13 +5491,13 @@
       </p:sp>
       <p:sp>
         <p:nvSpPr>
-          <p:cNvPr id="54" name="TextBox 53"/>
+          <p:cNvPr id="56" name="TextBox 55"/>
           <p:cNvSpPr txBox="1"/>
           <p:nvPr/>
         </p:nvSpPr>
         <p:spPr>
           <a:xfrm>
-            <a:off x="4324972" y="3058864"/>
+            <a:off x="5689761" y="2495413"/>
             <a:ext cx="189257" cy="178683"/>
           </a:xfrm>
           <a:prstGeom prst="rect">
@@ -5504,7 +5513,7 @@
           <a:p>
             <a:pPr algn="ctr"/>
             <a:r>
-              <a:rPr lang="en-US" sz="1100" dirty="0" smtClean="0">
+              <a:rPr lang="en-US" sz="1100" dirty="0">
                 <a:solidFill>
                   <a:srgbClr val="7030A0"/>
                 </a:solidFill>
@@ -5521,13 +5530,13 @@
       </p:sp>
       <p:sp>
         <p:nvSpPr>
-          <p:cNvPr id="56" name="TextBox 55"/>
+          <p:cNvPr id="60" name="TextBox 59"/>
           <p:cNvSpPr txBox="1"/>
           <p:nvPr/>
         </p:nvSpPr>
         <p:spPr>
           <a:xfrm>
-            <a:off x="5689761" y="2495413"/>
+            <a:off x="5163172" y="1778919"/>
             <a:ext cx="189257" cy="178683"/>
           </a:xfrm>
           <a:prstGeom prst="rect">
@@ -5543,7 +5552,85 @@
           <a:p>
             <a:pPr algn="ctr"/>
             <a:r>
-              <a:rPr lang="en-US" sz="1100" dirty="0" smtClean="0">
+              <a:rPr lang="en-US" sz="1100" dirty="0">
+                <a:solidFill>
+                  <a:srgbClr val="7030A0"/>
+                </a:solidFill>
+              </a:rPr>
+              <a:t>*</a:t>
+            </a:r>
+            <a:endParaRPr lang="en-SG" sz="1100" dirty="0">
+              <a:solidFill>
+                <a:srgbClr val="7030A0"/>
+              </a:solidFill>
+            </a:endParaRPr>
+          </a:p>
+        </p:txBody>
+      </p:sp>
+      <p:sp>
+        <p:nvSpPr>
+          <p:cNvPr id="61" name="TextBox 60"/>
+          <p:cNvSpPr txBox="1"/>
+          <p:nvPr/>
+        </p:nvSpPr>
+        <p:spPr>
+          <a:xfrm>
+            <a:off x="6135256" y="3097917"/>
+            <a:ext cx="189257" cy="178683"/>
+          </a:xfrm>
+          <a:prstGeom prst="rect">
+            <a:avLst/>
+          </a:prstGeom>
+          <a:noFill/>
+        </p:spPr>
+        <p:txBody>
+          <a:bodyPr wrap="square" lIns="0" tIns="0" rIns="0" bIns="0" rtlCol="0">
+            <a:noAutofit/>
+          </a:bodyPr>
+          <a:lstStyle/>
+          <a:p>
+            <a:pPr algn="ctr"/>
+            <a:r>
+              <a:rPr lang="en-US" sz="1100" dirty="0">
+                <a:solidFill>
+                  <a:srgbClr val="7030A0"/>
+                </a:solidFill>
+              </a:rPr>
+              <a:t>*</a:t>
+            </a:r>
+            <a:endParaRPr lang="en-SG" sz="1100" dirty="0">
+              <a:solidFill>
+                <a:srgbClr val="7030A0"/>
+              </a:solidFill>
+            </a:endParaRPr>
+          </a:p>
+        </p:txBody>
+      </p:sp>
+      <p:sp>
+        <p:nvSpPr>
+          <p:cNvPr id="65" name="TextBox 64"/>
+          <p:cNvSpPr txBox="1"/>
+          <p:nvPr/>
+        </p:nvSpPr>
+        <p:spPr>
+          <a:xfrm>
+            <a:off x="2687923" y="2564238"/>
+            <a:ext cx="189257" cy="178683"/>
+          </a:xfrm>
+          <a:prstGeom prst="rect">
+            <a:avLst/>
+          </a:prstGeom>
+          <a:noFill/>
+        </p:spPr>
+        <p:txBody>
+          <a:bodyPr wrap="square" lIns="0" tIns="0" rIns="0" bIns="0" rtlCol="0">
+            <a:noAutofit/>
+          </a:bodyPr>
+          <a:lstStyle/>
+          <a:p>
+            <a:pPr algn="ctr"/>
+            <a:r>
+              <a:rPr lang="en-US" sz="1100" dirty="0">
                 <a:solidFill>
                   <a:srgbClr val="7030A0"/>
                 </a:solidFill>
@@ -5560,13 +5647,13 @@
       </p:sp>
       <p:sp>
         <p:nvSpPr>
-          <p:cNvPr id="60" name="TextBox 59"/>
+          <p:cNvPr id="66" name="TextBox 65"/>
           <p:cNvSpPr txBox="1"/>
           <p:nvPr/>
         </p:nvSpPr>
         <p:spPr>
           <a:xfrm>
-            <a:off x="5163172" y="1778919"/>
+            <a:off x="2656370" y="3386050"/>
             <a:ext cx="189257" cy="178683"/>
           </a:xfrm>
           <a:prstGeom prst="rect">
@@ -5582,7 +5669,643 @@
           <a:p>
             <a:pPr algn="ctr"/>
             <a:r>
-              <a:rPr lang="en-US" sz="1100" dirty="0" smtClean="0">
+              <a:rPr lang="en-US" sz="1100" dirty="0">
+                <a:solidFill>
+                  <a:srgbClr val="7030A0"/>
+                </a:solidFill>
+              </a:rPr>
+              <a:t>1</a:t>
+            </a:r>
+            <a:endParaRPr lang="en-SG" sz="1100" dirty="0">
+              <a:solidFill>
+                <a:srgbClr val="7030A0"/>
+              </a:solidFill>
+            </a:endParaRPr>
+          </a:p>
+        </p:txBody>
+      </p:sp>
+      <p:sp>
+        <p:nvSpPr>
+          <p:cNvPr id="70" name="TextBox 69"/>
+          <p:cNvSpPr txBox="1"/>
+          <p:nvPr/>
+        </p:nvSpPr>
+        <p:spPr>
+          <a:xfrm>
+            <a:off x="6667770" y="3210194"/>
+            <a:ext cx="189257" cy="178683"/>
+          </a:xfrm>
+          <a:prstGeom prst="rect">
+            <a:avLst/>
+          </a:prstGeom>
+          <a:noFill/>
+        </p:spPr>
+        <p:txBody>
+          <a:bodyPr wrap="square" lIns="0" tIns="0" rIns="0" bIns="0" rtlCol="0">
+            <a:noAutofit/>
+          </a:bodyPr>
+          <a:lstStyle/>
+          <a:p>
+            <a:pPr algn="ctr"/>
+            <a:r>
+              <a:rPr lang="en-US" sz="1100" dirty="0">
+                <a:solidFill>
+                  <a:srgbClr val="7030A0"/>
+                </a:solidFill>
+              </a:rPr>
+              <a:t>1</a:t>
+            </a:r>
+            <a:endParaRPr lang="en-SG" sz="1100" dirty="0">
+              <a:solidFill>
+                <a:srgbClr val="7030A0"/>
+              </a:solidFill>
+            </a:endParaRPr>
+          </a:p>
+        </p:txBody>
+      </p:sp>
+      <p:cxnSp>
+        <p:nvCxnSpPr>
+          <p:cNvPr id="52" name="Elbow Connector 106">
+            <a:extLst>
+              <a:ext uri="{FF2B5EF4-FFF2-40B4-BE49-F238E27FC236}">
+                <a16:creationId xmlns:a16="http://schemas.microsoft.com/office/drawing/2014/main" id="{CB6C9A3E-C7D6-4853-AFB6-B27888E57718}"/>
+              </a:ext>
+            </a:extLst>
+          </p:cNvPr>
+          <p:cNvCxnSpPr>
+            <a:cxnSpLocks/>
+            <a:endCxn id="71" idx="1"/>
+          </p:cNvCxnSpPr>
+          <p:nvPr/>
+        </p:nvCxnSpPr>
+        <p:spPr>
+          <a:xfrm>
+            <a:off x="2158782" y="3596524"/>
+            <a:ext cx="4154895" cy="1137602"/>
+          </a:xfrm>
+          <a:prstGeom prst="bentConnector3">
+            <a:avLst>
+              <a:gd name="adj1" fmla="val -303"/>
+            </a:avLst>
+          </a:prstGeom>
+          <a:ln w="19050">
+            <a:solidFill>
+              <a:srgbClr val="7030A0"/>
+            </a:solidFill>
+            <a:prstDash val="solid"/>
+            <a:headEnd type="none" w="med" len="med"/>
+            <a:tailEnd type="arrow" w="med" len="med"/>
+          </a:ln>
+          <a:effectLst/>
+        </p:spPr>
+        <p:style>
+          <a:lnRef idx="1">
+            <a:schemeClr val="accent2"/>
+          </a:lnRef>
+          <a:fillRef idx="2">
+            <a:schemeClr val="accent2"/>
+          </a:fillRef>
+          <a:effectRef idx="1">
+            <a:schemeClr val="accent2"/>
+          </a:effectRef>
+          <a:fontRef idx="minor">
+            <a:schemeClr val="dk1"/>
+          </a:fontRef>
+        </p:style>
+      </p:cxnSp>
+      <p:sp>
+        <p:nvSpPr>
+          <p:cNvPr id="71" name="Rectangle 8">
+            <a:extLst>
+              <a:ext uri="{FF2B5EF4-FFF2-40B4-BE49-F238E27FC236}">
+                <a16:creationId xmlns:a16="http://schemas.microsoft.com/office/drawing/2014/main" id="{FF0FF02B-ED66-47F6-B2DA-C7AD3D3EF1B1}"/>
+              </a:ext>
+            </a:extLst>
+          </p:cNvPr>
+          <p:cNvSpPr/>
+          <p:nvPr/>
+        </p:nvSpPr>
+        <p:spPr>
+          <a:xfrm>
+            <a:off x="6313677" y="4560746"/>
+            <a:ext cx="714113" cy="346760"/>
+          </a:xfrm>
+          <a:prstGeom prst="rect">
+            <a:avLst/>
+          </a:prstGeom>
+          <a:ln w="19050">
+            <a:solidFill>
+              <a:srgbClr val="7030A0"/>
+            </a:solidFill>
+          </a:ln>
+          <a:effectLst/>
+        </p:spPr>
+        <p:style>
+          <a:lnRef idx="1">
+            <a:schemeClr val="accent4"/>
+          </a:lnRef>
+          <a:fillRef idx="2">
+            <a:schemeClr val="accent4"/>
+          </a:fillRef>
+          <a:effectRef idx="1">
+            <a:schemeClr val="accent4"/>
+          </a:effectRef>
+          <a:fontRef idx="minor">
+            <a:schemeClr val="dk1"/>
+          </a:fontRef>
+        </p:style>
+        <p:txBody>
+          <a:bodyPr rtlCol="0" anchor="ctr"/>
+          <a:lstStyle/>
+          <a:p>
+            <a:pPr algn="ctr"/>
+            <a:r>
+              <a:rPr lang="en-US" sz="1050" dirty="0" err="1">
+                <a:solidFill>
+                  <a:srgbClr val="7030A0"/>
+                </a:solidFill>
+              </a:rPr>
+              <a:t>EpicEvent</a:t>
+            </a:r>
+            <a:endParaRPr lang="en-SG" sz="1050" dirty="0">
+              <a:solidFill>
+                <a:srgbClr val="7030A0"/>
+              </a:solidFill>
+            </a:endParaRPr>
+          </a:p>
+        </p:txBody>
+      </p:sp>
+      <p:cxnSp>
+        <p:nvCxnSpPr>
+          <p:cNvPr id="72" name="Elbow Connector 29">
+            <a:extLst>
+              <a:ext uri="{FF2B5EF4-FFF2-40B4-BE49-F238E27FC236}">
+                <a16:creationId xmlns:a16="http://schemas.microsoft.com/office/drawing/2014/main" id="{4A7DBBEF-1C26-454E-8CDB-15D1D2F92AE3}"/>
+              </a:ext>
+            </a:extLst>
+          </p:cNvPr>
+          <p:cNvCxnSpPr>
+            <a:cxnSpLocks/>
+          </p:cNvCxnSpPr>
+          <p:nvPr/>
+        </p:nvCxnSpPr>
+        <p:spPr>
+          <a:xfrm rot="16200000" flipH="1">
+            <a:off x="4158312" y="3162328"/>
+            <a:ext cx="519233" cy="138178"/>
+          </a:xfrm>
+          <a:prstGeom prst="bentConnector3">
+            <a:avLst>
+              <a:gd name="adj1" fmla="val 100316"/>
+            </a:avLst>
+          </a:prstGeom>
+          <a:ln w="19050">
+            <a:solidFill>
+              <a:srgbClr val="7030A0"/>
+            </a:solidFill>
+            <a:headEnd type="none" w="med" len="med"/>
+            <a:tailEnd type="arrow" w="med" len="med"/>
+          </a:ln>
+          <a:effectLst/>
+        </p:spPr>
+        <p:style>
+          <a:lnRef idx="1">
+            <a:schemeClr val="accent2"/>
+          </a:lnRef>
+          <a:fillRef idx="2">
+            <a:schemeClr val="accent2"/>
+          </a:fillRef>
+          <a:effectRef idx="1">
+            <a:schemeClr val="accent2"/>
+          </a:effectRef>
+          <a:fontRef idx="minor">
+            <a:schemeClr val="dk1"/>
+          </a:fontRef>
+        </p:style>
+      </p:cxnSp>
+      <p:sp>
+        <p:nvSpPr>
+          <p:cNvPr id="73" name="Rectangle 8">
+            <a:extLst>
+              <a:ext uri="{FF2B5EF4-FFF2-40B4-BE49-F238E27FC236}">
+                <a16:creationId xmlns:a16="http://schemas.microsoft.com/office/drawing/2014/main" id="{3803831B-0DBD-42A5-A7E8-C83FFE9C3162}"/>
+              </a:ext>
+            </a:extLst>
+          </p:cNvPr>
+          <p:cNvSpPr/>
+          <p:nvPr/>
+        </p:nvSpPr>
+        <p:spPr>
+          <a:xfrm>
+            <a:off x="4507339" y="3344821"/>
+            <a:ext cx="1312466" cy="346760"/>
+          </a:xfrm>
+          <a:prstGeom prst="rect">
+            <a:avLst/>
+          </a:prstGeom>
+          <a:ln w="19050">
+            <a:solidFill>
+              <a:srgbClr val="7030A0"/>
+            </a:solidFill>
+          </a:ln>
+          <a:effectLst/>
+        </p:spPr>
+        <p:style>
+          <a:lnRef idx="1">
+            <a:schemeClr val="accent4"/>
+          </a:lnRef>
+          <a:fillRef idx="2">
+            <a:schemeClr val="accent4"/>
+          </a:fillRef>
+          <a:effectRef idx="1">
+            <a:schemeClr val="accent4"/>
+          </a:effectRef>
+          <a:fontRef idx="minor">
+            <a:schemeClr val="dk1"/>
+          </a:fontRef>
+        </p:style>
+        <p:txBody>
+          <a:bodyPr rtlCol="0" anchor="ctr"/>
+          <a:lstStyle/>
+          <a:p>
+            <a:pPr algn="ctr"/>
+            <a:r>
+              <a:rPr lang="en-US" sz="1050" dirty="0" err="1">
+                <a:solidFill>
+                  <a:srgbClr val="7030A0"/>
+                </a:solidFill>
+              </a:rPr>
+              <a:t>UniqueEpicEventList</a:t>
+            </a:r>
+            <a:endParaRPr lang="en-SG" sz="1050" dirty="0">
+              <a:solidFill>
+                <a:srgbClr val="7030A0"/>
+              </a:solidFill>
+            </a:endParaRPr>
+          </a:p>
+        </p:txBody>
+      </p:sp>
+      <p:sp>
+        <p:nvSpPr>
+          <p:cNvPr id="74" name="TextBox 73">
+            <a:extLst>
+              <a:ext uri="{FF2B5EF4-FFF2-40B4-BE49-F238E27FC236}">
+                <a16:creationId xmlns:a16="http://schemas.microsoft.com/office/drawing/2014/main" id="{1EA2D9BC-2BC1-4853-B094-E951CF84948B}"/>
+              </a:ext>
+            </a:extLst>
+          </p:cNvPr>
+          <p:cNvSpPr txBox="1"/>
+          <p:nvPr/>
+        </p:nvSpPr>
+        <p:spPr>
+          <a:xfrm>
+            <a:off x="4298680" y="3548365"/>
+            <a:ext cx="189257" cy="178683"/>
+          </a:xfrm>
+          <a:prstGeom prst="rect">
+            <a:avLst/>
+          </a:prstGeom>
+          <a:noFill/>
+        </p:spPr>
+        <p:txBody>
+          <a:bodyPr wrap="square" lIns="0" tIns="0" rIns="0" bIns="0" rtlCol="0">
+            <a:noAutofit/>
+          </a:bodyPr>
+          <a:lstStyle/>
+          <a:p>
+            <a:pPr algn="ctr"/>
+            <a:r>
+              <a:rPr lang="en-US" sz="1100" dirty="0">
+                <a:solidFill>
+                  <a:srgbClr val="7030A0"/>
+                </a:solidFill>
+              </a:rPr>
+              <a:t>1</a:t>
+            </a:r>
+            <a:endParaRPr lang="en-SG" sz="1100" dirty="0">
+              <a:solidFill>
+                <a:srgbClr val="7030A0"/>
+              </a:solidFill>
+            </a:endParaRPr>
+          </a:p>
+        </p:txBody>
+      </p:sp>
+      <p:sp>
+        <p:nvSpPr>
+          <p:cNvPr id="22" name="TextBox 21">
+            <a:extLst>
+              <a:ext uri="{FF2B5EF4-FFF2-40B4-BE49-F238E27FC236}">
+                <a16:creationId xmlns:a16="http://schemas.microsoft.com/office/drawing/2014/main" id="{AA9C2DE6-8B18-45CE-BEE3-7BF6061722FE}"/>
+              </a:ext>
+            </a:extLst>
+          </p:cNvPr>
+          <p:cNvSpPr txBox="1"/>
+          <p:nvPr/>
+        </p:nvSpPr>
+        <p:spPr>
+          <a:xfrm>
+            <a:off x="5361141" y="4710608"/>
+            <a:ext cx="800219" cy="261610"/>
+          </a:xfrm>
+          <a:prstGeom prst="rect">
+            <a:avLst/>
+          </a:prstGeom>
+          <a:noFill/>
+        </p:spPr>
+        <p:txBody>
+          <a:bodyPr wrap="none" rtlCol="0">
+            <a:spAutoFit/>
+          </a:bodyPr>
+          <a:lstStyle/>
+          <a:p>
+            <a:r>
+              <a:rPr lang="en-SG" sz="1100" dirty="0">
+                <a:solidFill>
+                  <a:srgbClr val="7030A0"/>
+                </a:solidFill>
+              </a:rPr>
+              <a:t>filtered list</a:t>
+            </a:r>
+          </a:p>
+        </p:txBody>
+      </p:sp>
+      <p:sp>
+        <p:nvSpPr>
+          <p:cNvPr id="77" name="TextBox 76">
+            <a:extLst>
+              <a:ext uri="{FF2B5EF4-FFF2-40B4-BE49-F238E27FC236}">
+                <a16:creationId xmlns:a16="http://schemas.microsoft.com/office/drawing/2014/main" id="{CC5A7557-92AA-4D99-8245-F27217F32A43}"/>
+              </a:ext>
+            </a:extLst>
+          </p:cNvPr>
+          <p:cNvSpPr txBox="1"/>
+          <p:nvPr/>
+        </p:nvSpPr>
+        <p:spPr>
+          <a:xfrm>
+            <a:off x="6118471" y="4514440"/>
+            <a:ext cx="189257" cy="178683"/>
+          </a:xfrm>
+          <a:prstGeom prst="rect">
+            <a:avLst/>
+          </a:prstGeom>
+          <a:noFill/>
+        </p:spPr>
+        <p:txBody>
+          <a:bodyPr wrap="square" lIns="0" tIns="0" rIns="0" bIns="0" rtlCol="0">
+            <a:noAutofit/>
+          </a:bodyPr>
+          <a:lstStyle/>
+          <a:p>
+            <a:pPr algn="ctr"/>
+            <a:r>
+              <a:rPr lang="en-US" sz="1100" dirty="0">
+                <a:solidFill>
+                  <a:srgbClr val="7030A0"/>
+                </a:solidFill>
+              </a:rPr>
+              <a:t>1</a:t>
+            </a:r>
+            <a:endParaRPr lang="en-SG" sz="1100" dirty="0">
+              <a:solidFill>
+                <a:srgbClr val="7030A0"/>
+              </a:solidFill>
+            </a:endParaRPr>
+          </a:p>
+        </p:txBody>
+      </p:sp>
+      <p:sp>
+        <p:nvSpPr>
+          <p:cNvPr id="82" name="Flowchart: Decision 96">
+            <a:extLst>
+              <a:ext uri="{FF2B5EF4-FFF2-40B4-BE49-F238E27FC236}">
+                <a16:creationId xmlns:a16="http://schemas.microsoft.com/office/drawing/2014/main" id="{874116EE-F077-4405-A324-4E4E5160BB5A}"/>
+              </a:ext>
+            </a:extLst>
+          </p:cNvPr>
+          <p:cNvSpPr/>
+          <p:nvPr/>
+        </p:nvSpPr>
+        <p:spPr>
+          <a:xfrm>
+            <a:off x="7021863" y="4623918"/>
+            <a:ext cx="236048" cy="173380"/>
+          </a:xfrm>
+          <a:prstGeom prst="flowChartDecision">
+            <a:avLst/>
+          </a:prstGeom>
+          <a:solidFill>
+            <a:srgbClr val="7030A0"/>
+          </a:solidFill>
+          <a:ln w="19050">
+            <a:solidFill>
+              <a:srgbClr val="7030A0"/>
+            </a:solidFill>
+          </a:ln>
+          <a:effectLst/>
+        </p:spPr>
+        <p:style>
+          <a:lnRef idx="1">
+            <a:schemeClr val="accent6"/>
+          </a:lnRef>
+          <a:fillRef idx="2">
+            <a:schemeClr val="accent6"/>
+          </a:fillRef>
+          <a:effectRef idx="1">
+            <a:schemeClr val="accent6"/>
+          </a:effectRef>
+          <a:fontRef idx="minor">
+            <a:schemeClr val="dk1"/>
+          </a:fontRef>
+        </p:style>
+        <p:txBody>
+          <a:bodyPr rtlCol="0" anchor="ctr"/>
+          <a:lstStyle/>
+          <a:p>
+            <a:pPr algn="ctr"/>
+            <a:endParaRPr lang="en-US" sz="1050"/>
+          </a:p>
+        </p:txBody>
+      </p:sp>
+      <p:cxnSp>
+        <p:nvCxnSpPr>
+          <p:cNvPr id="87" name="Elbow Connector 85">
+            <a:extLst>
+              <a:ext uri="{FF2B5EF4-FFF2-40B4-BE49-F238E27FC236}">
+                <a16:creationId xmlns:a16="http://schemas.microsoft.com/office/drawing/2014/main" id="{762E0A34-7FF7-4AF9-89EC-08261CF4AFCE}"/>
+              </a:ext>
+            </a:extLst>
+          </p:cNvPr>
+          <p:cNvCxnSpPr>
+            <a:cxnSpLocks/>
+            <a:stCxn id="82" idx="3"/>
+            <a:endCxn id="85" idx="2"/>
+          </p:cNvCxnSpPr>
+          <p:nvPr/>
+        </p:nvCxnSpPr>
+        <p:spPr>
+          <a:xfrm flipV="1">
+            <a:off x="7257911" y="3818954"/>
+            <a:ext cx="808579" cy="891654"/>
+          </a:xfrm>
+          <a:prstGeom prst="bentConnector2">
+            <a:avLst/>
+          </a:prstGeom>
+          <a:ln w="19050">
+            <a:solidFill>
+              <a:srgbClr val="7030A0"/>
+            </a:solidFill>
+            <a:headEnd type="none" w="med" len="med"/>
+            <a:tailEnd type="arrow" w="med" len="med"/>
+          </a:ln>
+          <a:effectLst/>
+        </p:spPr>
+        <p:style>
+          <a:lnRef idx="1">
+            <a:schemeClr val="accent2"/>
+          </a:lnRef>
+          <a:fillRef idx="2">
+            <a:schemeClr val="accent2"/>
+          </a:fillRef>
+          <a:effectRef idx="1">
+            <a:schemeClr val="accent2"/>
+          </a:effectRef>
+          <a:fontRef idx="minor">
+            <a:schemeClr val="dk1"/>
+          </a:fontRef>
+        </p:style>
+      </p:cxnSp>
+      <p:sp>
+        <p:nvSpPr>
+          <p:cNvPr id="88" name="Flowchart: Decision 96">
+            <a:extLst>
+              <a:ext uri="{FF2B5EF4-FFF2-40B4-BE49-F238E27FC236}">
+                <a16:creationId xmlns:a16="http://schemas.microsoft.com/office/drawing/2014/main" id="{263F13B8-746C-4023-8219-74D07B97BA2F}"/>
+              </a:ext>
+            </a:extLst>
+          </p:cNvPr>
+          <p:cNvSpPr/>
+          <p:nvPr/>
+        </p:nvSpPr>
+        <p:spPr>
+          <a:xfrm>
+            <a:off x="5829128" y="3440840"/>
+            <a:ext cx="236048" cy="173380"/>
+          </a:xfrm>
+          <a:prstGeom prst="flowChartDecision">
+            <a:avLst/>
+          </a:prstGeom>
+          <a:noFill/>
+          <a:ln w="19050">
+            <a:solidFill>
+              <a:srgbClr val="7030A0"/>
+            </a:solidFill>
+          </a:ln>
+          <a:effectLst/>
+        </p:spPr>
+        <p:style>
+          <a:lnRef idx="1">
+            <a:schemeClr val="accent6"/>
+          </a:lnRef>
+          <a:fillRef idx="2">
+            <a:schemeClr val="accent6"/>
+          </a:fillRef>
+          <a:effectRef idx="1">
+            <a:schemeClr val="accent6"/>
+          </a:effectRef>
+          <a:fontRef idx="minor">
+            <a:schemeClr val="dk1"/>
+          </a:fontRef>
+        </p:style>
+        <p:txBody>
+          <a:bodyPr rtlCol="0" anchor="ctr"/>
+          <a:lstStyle/>
+          <a:p>
+            <a:pPr algn="ctr"/>
+            <a:endParaRPr lang="en-US" sz="1050"/>
+          </a:p>
+        </p:txBody>
+      </p:sp>
+      <p:cxnSp>
+        <p:nvCxnSpPr>
+          <p:cNvPr id="89" name="Elbow Connector 63">
+            <a:extLst>
+              <a:ext uri="{FF2B5EF4-FFF2-40B4-BE49-F238E27FC236}">
+                <a16:creationId xmlns:a16="http://schemas.microsoft.com/office/drawing/2014/main" id="{44B82AAC-FB95-4ABB-9951-B96E29869F31}"/>
+              </a:ext>
+            </a:extLst>
+          </p:cNvPr>
+          <p:cNvCxnSpPr>
+            <a:cxnSpLocks/>
+            <a:endCxn id="71" idx="0"/>
+          </p:cNvCxnSpPr>
+          <p:nvPr/>
+        </p:nvCxnSpPr>
+        <p:spPr>
+          <a:xfrm rot="16200000" flipH="1">
+            <a:off x="5858301" y="3748313"/>
+            <a:ext cx="1033216" cy="591650"/>
+          </a:xfrm>
+          <a:prstGeom prst="bentConnector3">
+            <a:avLst>
+              <a:gd name="adj1" fmla="val 331"/>
+            </a:avLst>
+          </a:prstGeom>
+          <a:ln w="19050">
+            <a:solidFill>
+              <a:srgbClr val="7030A0"/>
+            </a:solidFill>
+            <a:headEnd type="none" w="med" len="med"/>
+            <a:tailEnd type="arrow" w="med" len="med"/>
+          </a:ln>
+          <a:effectLst/>
+        </p:spPr>
+        <p:style>
+          <a:lnRef idx="1">
+            <a:schemeClr val="accent2"/>
+          </a:lnRef>
+          <a:fillRef idx="2">
+            <a:schemeClr val="accent2"/>
+          </a:fillRef>
+          <a:effectRef idx="1">
+            <a:schemeClr val="accent2"/>
+          </a:effectRef>
+          <a:fontRef idx="minor">
+            <a:schemeClr val="dk1"/>
+          </a:fontRef>
+        </p:style>
+      </p:cxnSp>
+      <p:sp>
+        <p:nvSpPr>
+          <p:cNvPr id="91" name="TextBox 90">
+            <a:extLst>
+              <a:ext uri="{FF2B5EF4-FFF2-40B4-BE49-F238E27FC236}">
+                <a16:creationId xmlns:a16="http://schemas.microsoft.com/office/drawing/2014/main" id="{D46B1545-148D-49FA-B5A4-6DA3B1C825C5}"/>
+              </a:ext>
+            </a:extLst>
+          </p:cNvPr>
+          <p:cNvSpPr txBox="1"/>
+          <p:nvPr/>
+        </p:nvSpPr>
+        <p:spPr>
+          <a:xfrm>
+            <a:off x="6466813" y="4396930"/>
+            <a:ext cx="189257" cy="178683"/>
+          </a:xfrm>
+          <a:prstGeom prst="rect">
+            <a:avLst/>
+          </a:prstGeom>
+          <a:noFill/>
+        </p:spPr>
+        <p:txBody>
+          <a:bodyPr wrap="square" lIns="0" tIns="0" rIns="0" bIns="0" rtlCol="0">
+            <a:noAutofit/>
+          </a:bodyPr>
+          <a:lstStyle/>
+          <a:p>
+            <a:pPr algn="ctr"/>
+            <a:r>
+              <a:rPr lang="en-US" sz="1100" dirty="0">
                 <a:solidFill>
                   <a:srgbClr val="7030A0"/>
                 </a:solidFill>
@@ -5597,15 +6320,135 @@
           </a:p>
         </p:txBody>
       </p:sp>
-      <p:sp>
-        <p:nvSpPr>
-          <p:cNvPr id="61" name="TextBox 60"/>
+      <p:grpSp>
+        <p:nvGrpSpPr>
+          <p:cNvPr id="10" name="Group 9">
+            <a:extLst>
+              <a:ext uri="{FF2B5EF4-FFF2-40B4-BE49-F238E27FC236}">
+                <a16:creationId xmlns:a16="http://schemas.microsoft.com/office/drawing/2014/main" id="{041B96FD-B824-4E04-A7BD-B6DD821C3B03}"/>
+              </a:ext>
+            </a:extLst>
+          </p:cNvPr>
+          <p:cNvGrpSpPr/>
+          <p:nvPr/>
+        </p:nvGrpSpPr>
+        <p:grpSpPr>
+          <a:xfrm>
+            <a:off x="5643227" y="2369911"/>
+            <a:ext cx="2967374" cy="3127156"/>
+            <a:chOff x="5643227" y="2369911"/>
+            <a:chExt cx="2967374" cy="2953778"/>
+          </a:xfrm>
+        </p:grpSpPr>
+        <p:cxnSp>
+          <p:nvCxnSpPr>
+            <p:cNvPr id="4" name="Connector: Elbow 3">
+              <a:extLst>
+                <a:ext uri="{FF2B5EF4-FFF2-40B4-BE49-F238E27FC236}">
+                  <a16:creationId xmlns:a16="http://schemas.microsoft.com/office/drawing/2014/main" id="{767DF065-BCAE-478C-8CC5-74998025B64E}"/>
+                </a:ext>
+              </a:extLst>
+            </p:cNvPr>
+            <p:cNvCxnSpPr>
+              <a:cxnSpLocks/>
+              <a:stCxn id="71" idx="2"/>
+            </p:cNvCxnSpPr>
+            <p:nvPr/>
+          </p:nvCxnSpPr>
+          <p:spPr>
+            <a:xfrm rot="16200000" flipH="1">
+              <a:off x="7362231" y="4075317"/>
+              <a:ext cx="556872" cy="1939867"/>
+            </a:xfrm>
+            <a:prstGeom prst="bentConnector2">
+              <a:avLst/>
+            </a:prstGeom>
+            <a:ln w="19050">
+              <a:solidFill>
+                <a:srgbClr val="7030A0"/>
+              </a:solidFill>
+              <a:headEnd type="none" w="med" len="med"/>
+              <a:tailEnd type="none" w="med" len="med"/>
+            </a:ln>
+          </p:spPr>
+          <p:style>
+            <a:lnRef idx="1">
+              <a:schemeClr val="accent4"/>
+            </a:lnRef>
+            <a:fillRef idx="0">
+              <a:schemeClr val="accent4"/>
+            </a:fillRef>
+            <a:effectRef idx="0">
+              <a:schemeClr val="accent4"/>
+            </a:effectRef>
+            <a:fontRef idx="minor">
+              <a:schemeClr val="tx1"/>
+            </a:fontRef>
+          </p:style>
+        </p:cxnSp>
+        <p:cxnSp>
+          <p:nvCxnSpPr>
+            <p:cNvPr id="90" name="Connector: Elbow 89">
+              <a:extLst>
+                <a:ext uri="{FF2B5EF4-FFF2-40B4-BE49-F238E27FC236}">
+                  <a16:creationId xmlns:a16="http://schemas.microsoft.com/office/drawing/2014/main" id="{A54061F1-A542-45F8-BCB0-CED3B26D599F}"/>
+                </a:ext>
+              </a:extLst>
+            </p:cNvPr>
+            <p:cNvCxnSpPr>
+              <a:cxnSpLocks/>
+            </p:cNvCxnSpPr>
+            <p:nvPr/>
+          </p:nvCxnSpPr>
+          <p:spPr>
+            <a:xfrm rot="10800000">
+              <a:off x="5643227" y="2369911"/>
+              <a:ext cx="2967374" cy="2953778"/>
+            </a:xfrm>
+            <a:prstGeom prst="bentConnector3">
+              <a:avLst>
+                <a:gd name="adj1" fmla="val 318"/>
+              </a:avLst>
+            </a:prstGeom>
+            <a:ln w="19050">
+              <a:solidFill>
+                <a:srgbClr val="7030A0"/>
+              </a:solidFill>
+              <a:headEnd type="none" w="med" len="med"/>
+              <a:tailEnd type="arrow" w="med" len="med"/>
+            </a:ln>
+          </p:spPr>
+          <p:style>
+            <a:lnRef idx="1">
+              <a:schemeClr val="accent4"/>
+            </a:lnRef>
+            <a:fillRef idx="0">
+              <a:schemeClr val="accent4"/>
+            </a:fillRef>
+            <a:effectRef idx="0">
+              <a:schemeClr val="accent4"/>
+            </a:effectRef>
+            <a:fontRef idx="minor">
+              <a:schemeClr val="tx1"/>
+            </a:fontRef>
+          </p:style>
+        </p:cxnSp>
+      </p:grpSp>
+      <p:sp>
+        <p:nvSpPr>
+          <p:cNvPr id="92" name="TextBox 91">
+            <a:extLst>
+              <a:ext uri="{FF2B5EF4-FFF2-40B4-BE49-F238E27FC236}">
+                <a16:creationId xmlns:a16="http://schemas.microsoft.com/office/drawing/2014/main" id="{6454D423-DB09-42DB-86AD-1615A0D4EA79}"/>
+              </a:ext>
+            </a:extLst>
+          </p:cNvPr>
           <p:cNvSpPr txBox="1"/>
           <p:nvPr/>
         </p:nvSpPr>
         <p:spPr>
           <a:xfrm>
-            <a:off x="6135256" y="3097917"/>
+            <a:off x="5695278" y="2161460"/>
             <a:ext cx="189257" cy="178683"/>
           </a:xfrm>
           <a:prstGeom prst="rect">
@@ -5621,129 +6464,260 @@
           <a:p>
             <a:pPr algn="ctr"/>
             <a:r>
-              <a:rPr lang="en-US" sz="1100" dirty="0" smtClean="0">
+              <a:rPr lang="en-US" sz="1100" dirty="0">
+                <a:solidFill>
+                  <a:srgbClr val="7030A0"/>
+                </a:solidFill>
+              </a:rPr>
+              <a:t>1</a:t>
+            </a:r>
+            <a:endParaRPr lang="en-SG" sz="1100" dirty="0">
+              <a:solidFill>
+                <a:srgbClr val="7030A0"/>
+              </a:solidFill>
+            </a:endParaRPr>
+          </a:p>
+        </p:txBody>
+      </p:sp>
+      <p:sp>
+        <p:nvSpPr>
+          <p:cNvPr id="93" name="Rectangle 8">
+            <a:extLst>
+              <a:ext uri="{FF2B5EF4-FFF2-40B4-BE49-F238E27FC236}">
+                <a16:creationId xmlns:a16="http://schemas.microsoft.com/office/drawing/2014/main" id="{291D6C20-9C83-4ADF-9D3F-B646471F590A}"/>
+              </a:ext>
+            </a:extLst>
+          </p:cNvPr>
+          <p:cNvSpPr/>
+          <p:nvPr/>
+        </p:nvSpPr>
+        <p:spPr>
+          <a:xfrm>
+            <a:off x="7637844" y="4939340"/>
+            <a:ext cx="843799" cy="346760"/>
+          </a:xfrm>
+          <a:prstGeom prst="rect">
+            <a:avLst/>
+          </a:prstGeom>
+          <a:ln w="19050">
+            <a:solidFill>
+              <a:srgbClr val="7030A0"/>
+            </a:solidFill>
+          </a:ln>
+          <a:effectLst/>
+        </p:spPr>
+        <p:style>
+          <a:lnRef idx="1">
+            <a:schemeClr val="accent4"/>
+          </a:lnRef>
+          <a:fillRef idx="2">
+            <a:schemeClr val="accent4"/>
+          </a:fillRef>
+          <a:effectRef idx="1">
+            <a:schemeClr val="accent4"/>
+          </a:effectRef>
+          <a:fontRef idx="minor">
+            <a:schemeClr val="dk1"/>
+          </a:fontRef>
+        </p:style>
+        <p:txBody>
+          <a:bodyPr rtlCol="0" anchor="ctr"/>
+          <a:lstStyle/>
+          <a:p>
+            <a:pPr algn="ctr"/>
+            <a:r>
+              <a:rPr lang="en-US" sz="1050" dirty="0">
+                <a:solidFill>
+                  <a:srgbClr val="7030A0"/>
+                </a:solidFill>
+              </a:rPr>
+              <a:t>Attendance</a:t>
+            </a:r>
+            <a:endParaRPr lang="en-SG" sz="1050" dirty="0">
+              <a:solidFill>
+                <a:srgbClr val="7030A0"/>
+              </a:solidFill>
+            </a:endParaRPr>
+          </a:p>
+        </p:txBody>
+      </p:sp>
+      <p:cxnSp>
+        <p:nvCxnSpPr>
+          <p:cNvPr id="94" name="Elbow Connector 49">
+            <a:extLst>
+              <a:ext uri="{FF2B5EF4-FFF2-40B4-BE49-F238E27FC236}">
+                <a16:creationId xmlns:a16="http://schemas.microsoft.com/office/drawing/2014/main" id="{1D8E4172-15CB-4475-BBC5-3815694A4D5C}"/>
+              </a:ext>
+            </a:extLst>
+          </p:cNvPr>
+          <p:cNvCxnSpPr>
+            <a:cxnSpLocks/>
+          </p:cNvCxnSpPr>
+          <p:nvPr/>
+        </p:nvCxnSpPr>
+        <p:spPr>
+          <a:xfrm rot="16200000" flipV="1">
+            <a:off x="6305321" y="3375696"/>
+            <a:ext cx="1721559" cy="1358148"/>
+          </a:xfrm>
+          <a:prstGeom prst="bentConnector3">
+            <a:avLst>
+              <a:gd name="adj1" fmla="val 37534"/>
+            </a:avLst>
+          </a:prstGeom>
+          <a:ln w="19050">
+            <a:solidFill>
+              <a:srgbClr val="7030A0"/>
+            </a:solidFill>
+            <a:headEnd type="none" w="med" len="med"/>
+            <a:tailEnd type="arrow" w="med" len="med"/>
+          </a:ln>
+          <a:effectLst/>
+        </p:spPr>
+        <p:style>
+          <a:lnRef idx="1">
+            <a:schemeClr val="accent2"/>
+          </a:lnRef>
+          <a:fillRef idx="2">
+            <a:schemeClr val="accent2"/>
+          </a:fillRef>
+          <a:effectRef idx="1">
+            <a:schemeClr val="accent2"/>
+          </a:effectRef>
+          <a:fontRef idx="minor">
+            <a:schemeClr val="dk1"/>
+          </a:fontRef>
+        </p:style>
+      </p:cxnSp>
+      <p:sp>
+        <p:nvSpPr>
+          <p:cNvPr id="96" name="TextBox 95">
+            <a:extLst>
+              <a:ext uri="{FF2B5EF4-FFF2-40B4-BE49-F238E27FC236}">
+                <a16:creationId xmlns:a16="http://schemas.microsoft.com/office/drawing/2014/main" id="{30ED0A87-CE2B-4EC2-BFBF-6CB13C865705}"/>
+              </a:ext>
+            </a:extLst>
+          </p:cNvPr>
+          <p:cNvSpPr txBox="1"/>
+          <p:nvPr/>
+        </p:nvSpPr>
+        <p:spPr>
+          <a:xfrm>
+            <a:off x="6286643" y="3214176"/>
+            <a:ext cx="189257" cy="178683"/>
+          </a:xfrm>
+          <a:prstGeom prst="rect">
+            <a:avLst/>
+          </a:prstGeom>
+          <a:noFill/>
+        </p:spPr>
+        <p:txBody>
+          <a:bodyPr wrap="square" lIns="0" tIns="0" rIns="0" bIns="0" rtlCol="0">
+            <a:noAutofit/>
+          </a:bodyPr>
+          <a:lstStyle/>
+          <a:p>
+            <a:pPr algn="ctr"/>
+            <a:r>
+              <a:rPr lang="en-US" sz="1100" dirty="0">
+                <a:solidFill>
+                  <a:srgbClr val="7030A0"/>
+                </a:solidFill>
+              </a:rPr>
+              <a:t>1</a:t>
+            </a:r>
+            <a:endParaRPr lang="en-SG" sz="1100" dirty="0">
+              <a:solidFill>
+                <a:srgbClr val="7030A0"/>
+              </a:solidFill>
+            </a:endParaRPr>
+          </a:p>
+        </p:txBody>
+      </p:sp>
+      <p:cxnSp>
+        <p:nvCxnSpPr>
+          <p:cNvPr id="98" name="Elbow Connector 85">
+            <a:extLst>
+              <a:ext uri="{FF2B5EF4-FFF2-40B4-BE49-F238E27FC236}">
+                <a16:creationId xmlns:a16="http://schemas.microsoft.com/office/drawing/2014/main" id="{98AFDA44-2502-46E0-A071-77397B14A6B0}"/>
+              </a:ext>
+            </a:extLst>
+          </p:cNvPr>
+          <p:cNvCxnSpPr>
+            <a:cxnSpLocks/>
+            <a:stCxn id="82" idx="3"/>
+            <a:endCxn id="93" idx="0"/>
+          </p:cNvCxnSpPr>
+          <p:nvPr/>
+        </p:nvCxnSpPr>
+        <p:spPr>
+          <a:xfrm>
+            <a:off x="7257911" y="4710608"/>
+            <a:ext cx="801833" cy="228732"/>
+          </a:xfrm>
+          <a:prstGeom prst="bentConnector2">
+            <a:avLst/>
+          </a:prstGeom>
+          <a:ln w="19050">
+            <a:solidFill>
+              <a:srgbClr val="7030A0"/>
+            </a:solidFill>
+            <a:headEnd type="none" w="med" len="med"/>
+            <a:tailEnd type="arrow" w="med" len="med"/>
+          </a:ln>
+          <a:effectLst/>
+        </p:spPr>
+        <p:style>
+          <a:lnRef idx="1">
+            <a:schemeClr val="accent2"/>
+          </a:lnRef>
+          <a:fillRef idx="2">
+            <a:schemeClr val="accent2"/>
+          </a:fillRef>
+          <a:effectRef idx="1">
+            <a:schemeClr val="accent2"/>
+          </a:effectRef>
+          <a:fontRef idx="minor">
+            <a:schemeClr val="dk1"/>
+          </a:fontRef>
+        </p:style>
+      </p:cxnSp>
+      <p:sp>
+        <p:nvSpPr>
+          <p:cNvPr id="101" name="TextBox 100">
+            <a:extLst>
+              <a:ext uri="{FF2B5EF4-FFF2-40B4-BE49-F238E27FC236}">
+                <a16:creationId xmlns:a16="http://schemas.microsoft.com/office/drawing/2014/main" id="{72D321CF-7341-442F-809C-23FB9B4F2508}"/>
+              </a:ext>
+            </a:extLst>
+          </p:cNvPr>
+          <p:cNvSpPr txBox="1"/>
+          <p:nvPr/>
+        </p:nvSpPr>
+        <p:spPr>
+          <a:xfrm>
+            <a:off x="8096161" y="4758175"/>
+            <a:ext cx="189257" cy="178683"/>
+          </a:xfrm>
+          <a:prstGeom prst="rect">
+            <a:avLst/>
+          </a:prstGeom>
+          <a:noFill/>
+        </p:spPr>
+        <p:txBody>
+          <a:bodyPr wrap="square" lIns="0" tIns="0" rIns="0" bIns="0" rtlCol="0">
+            <a:noAutofit/>
+          </a:bodyPr>
+          <a:lstStyle/>
+          <a:p>
+            <a:pPr algn="ctr"/>
+            <a:r>
+              <a:rPr lang="en-US" sz="1100" dirty="0">
                 <a:solidFill>
                   <a:srgbClr val="7030A0"/>
                 </a:solidFill>
               </a:rPr>
               <a:t>*</a:t>
-            </a:r>
-            <a:endParaRPr lang="en-SG" sz="1100" dirty="0">
-              <a:solidFill>
-                <a:srgbClr val="7030A0"/>
-              </a:solidFill>
-            </a:endParaRPr>
-          </a:p>
-        </p:txBody>
-      </p:sp>
-      <p:sp>
-        <p:nvSpPr>
-          <p:cNvPr id="65" name="TextBox 64"/>
-          <p:cNvSpPr txBox="1"/>
-          <p:nvPr/>
-        </p:nvSpPr>
-        <p:spPr>
-          <a:xfrm>
-            <a:off x="2687923" y="2564238"/>
-            <a:ext cx="189257" cy="178683"/>
-          </a:xfrm>
-          <a:prstGeom prst="rect">
-            <a:avLst/>
-          </a:prstGeom>
-          <a:noFill/>
-        </p:spPr>
-        <p:txBody>
-          <a:bodyPr wrap="square" lIns="0" tIns="0" rIns="0" bIns="0" rtlCol="0">
-            <a:noAutofit/>
-          </a:bodyPr>
-          <a:lstStyle/>
-          <a:p>
-            <a:pPr algn="ctr"/>
-            <a:r>
-              <a:rPr lang="en-US" sz="1100" dirty="0" smtClean="0">
-                <a:solidFill>
-                  <a:srgbClr val="7030A0"/>
-                </a:solidFill>
-              </a:rPr>
-              <a:t>1</a:t>
-            </a:r>
-            <a:endParaRPr lang="en-SG" sz="1100" dirty="0">
-              <a:solidFill>
-                <a:srgbClr val="7030A0"/>
-              </a:solidFill>
-            </a:endParaRPr>
-          </a:p>
-        </p:txBody>
-      </p:sp>
-      <p:sp>
-        <p:nvSpPr>
-          <p:cNvPr id="66" name="TextBox 65"/>
-          <p:cNvSpPr txBox="1"/>
-          <p:nvPr/>
-        </p:nvSpPr>
-        <p:spPr>
-          <a:xfrm>
-            <a:off x="2656370" y="3386050"/>
-            <a:ext cx="189257" cy="178683"/>
-          </a:xfrm>
-          <a:prstGeom prst="rect">
-            <a:avLst/>
-          </a:prstGeom>
-          <a:noFill/>
-        </p:spPr>
-        <p:txBody>
-          <a:bodyPr wrap="square" lIns="0" tIns="0" rIns="0" bIns="0" rtlCol="0">
-            <a:noAutofit/>
-          </a:bodyPr>
-          <a:lstStyle/>
-          <a:p>
-            <a:pPr algn="ctr"/>
-            <a:r>
-              <a:rPr lang="en-US" sz="1100" dirty="0" smtClean="0">
-                <a:solidFill>
-                  <a:srgbClr val="7030A0"/>
-                </a:solidFill>
-              </a:rPr>
-              <a:t>1</a:t>
-            </a:r>
-            <a:endParaRPr lang="en-SG" sz="1100" dirty="0">
-              <a:solidFill>
-                <a:srgbClr val="7030A0"/>
-              </a:solidFill>
-            </a:endParaRPr>
-          </a:p>
-        </p:txBody>
-      </p:sp>
-      <p:sp>
-        <p:nvSpPr>
-          <p:cNvPr id="70" name="TextBox 69"/>
-          <p:cNvSpPr txBox="1"/>
-          <p:nvPr/>
-        </p:nvSpPr>
-        <p:spPr>
-          <a:xfrm>
-            <a:off x="6667770" y="3210194"/>
-            <a:ext cx="189257" cy="178683"/>
-          </a:xfrm>
-          <a:prstGeom prst="rect">
-            <a:avLst/>
-          </a:prstGeom>
-          <a:noFill/>
-        </p:spPr>
-        <p:txBody>
-          <a:bodyPr wrap="square" lIns="0" tIns="0" rIns="0" bIns="0" rtlCol="0">
-            <a:noAutofit/>
-          </a:bodyPr>
-          <a:lstStyle/>
-          <a:p>
-            <a:pPr algn="ctr"/>
-            <a:r>
-              <a:rPr lang="en-US" sz="1100" dirty="0" smtClean="0">
-                <a:solidFill>
-                  <a:srgbClr val="7030A0"/>
-                </a:solidFill>
-              </a:rPr>
-              <a:t>1</a:t>
             </a:r>
             <a:endParaRPr lang="en-SG" sz="1100" dirty="0">
               <a:solidFill>
@@ -5763,13 +6737,6 @@
   <p:clrMapOvr>
     <a:masterClrMapping/>
   </p:clrMapOvr>
-  <p:timing>
-    <p:tnLst>
-      <p:par>
-        <p:cTn id="1" dur="indefinite" restart="never" nodeType="tmRoot"/>
-      </p:par>
-    </p:tnLst>
-  </p:timing>
 </p:sld>
 </file>
 

--- a/docs/diagrams/ModelComponentClassDiagram.pptx
+++ b/docs/diagrams/ModelComponentClassDiagram.pptx
@@ -6557,12 +6557,12 @@
         </p:nvCxnSpPr>
         <p:spPr>
           <a:xfrm rot="16200000" flipV="1">
-            <a:off x="6305321" y="3375696"/>
-            <a:ext cx="1721559" cy="1358148"/>
+            <a:off x="6279261" y="3401758"/>
+            <a:ext cx="1742867" cy="1327334"/>
           </a:xfrm>
           <a:prstGeom prst="bentConnector3">
             <a:avLst>
-              <a:gd name="adj1" fmla="val 37534"/>
+              <a:gd name="adj1" fmla="val 38757"/>
             </a:avLst>
           </a:prstGeom>
           <a:ln w="19050">

--- a/docs/diagrams/ModelComponentClassDiagram.pptx
+++ b/docs/diagrams/ModelComponentClassDiagram.pptx
@@ -208,7 +208,7 @@
           <a:p>
             <a:fld id="{F5CC4B3F-88C1-4FFA-B1B6-F41C21DC6924}" type="datetimeFigureOut">
               <a:rPr lang="en-US" smtClean="0"/>
-              <a:t>3/20/2018</a:t>
+              <a:t>3/23/2018</a:t>
             </a:fld>
             <a:endParaRPr lang="en-US"/>
           </a:p>
@@ -654,7 +654,7 @@
           <a:p>
             <a:fld id="{78C97017-6FC3-485B-9764-EAC9E56C1D49}" type="datetimeFigureOut">
               <a:rPr lang="en-US" smtClean="0"/>
-              <a:t>3/20/2018</a:t>
+              <a:t>3/23/2018</a:t>
             </a:fld>
             <a:endParaRPr lang="en-US"/>
           </a:p>
@@ -822,7 +822,7 @@
           <a:p>
             <a:fld id="{78C97017-6FC3-485B-9764-EAC9E56C1D49}" type="datetimeFigureOut">
               <a:rPr lang="en-US" smtClean="0"/>
-              <a:t>3/20/2018</a:t>
+              <a:t>3/23/2018</a:t>
             </a:fld>
             <a:endParaRPr lang="en-US"/>
           </a:p>
@@ -1000,7 +1000,7 @@
           <a:p>
             <a:fld id="{78C97017-6FC3-485B-9764-EAC9E56C1D49}" type="datetimeFigureOut">
               <a:rPr lang="en-US" smtClean="0"/>
-              <a:t>3/20/2018</a:t>
+              <a:t>3/23/2018</a:t>
             </a:fld>
             <a:endParaRPr lang="en-US"/>
           </a:p>
@@ -1168,7 +1168,7 @@
           <a:p>
             <a:fld id="{78C97017-6FC3-485B-9764-EAC9E56C1D49}" type="datetimeFigureOut">
               <a:rPr lang="en-US" smtClean="0"/>
-              <a:t>3/20/2018</a:t>
+              <a:t>3/23/2018</a:t>
             </a:fld>
             <a:endParaRPr lang="en-US"/>
           </a:p>
@@ -1413,7 +1413,7 @@
           <a:p>
             <a:fld id="{78C97017-6FC3-485B-9764-EAC9E56C1D49}" type="datetimeFigureOut">
               <a:rPr lang="en-US" smtClean="0"/>
-              <a:t>3/20/2018</a:t>
+              <a:t>3/23/2018</a:t>
             </a:fld>
             <a:endParaRPr lang="en-US"/>
           </a:p>
@@ -1698,7 +1698,7 @@
           <a:p>
             <a:fld id="{78C97017-6FC3-485B-9764-EAC9E56C1D49}" type="datetimeFigureOut">
               <a:rPr lang="en-US" smtClean="0"/>
-              <a:t>3/20/2018</a:t>
+              <a:t>3/23/2018</a:t>
             </a:fld>
             <a:endParaRPr lang="en-US"/>
           </a:p>
@@ -2117,7 +2117,7 @@
           <a:p>
             <a:fld id="{78C97017-6FC3-485B-9764-EAC9E56C1D49}" type="datetimeFigureOut">
               <a:rPr lang="en-US" smtClean="0"/>
-              <a:t>3/20/2018</a:t>
+              <a:t>3/23/2018</a:t>
             </a:fld>
             <a:endParaRPr lang="en-US"/>
           </a:p>
@@ -2234,7 +2234,7 @@
           <a:p>
             <a:fld id="{78C97017-6FC3-485B-9764-EAC9E56C1D49}" type="datetimeFigureOut">
               <a:rPr lang="en-US" smtClean="0"/>
-              <a:t>3/20/2018</a:t>
+              <a:t>3/23/2018</a:t>
             </a:fld>
             <a:endParaRPr lang="en-US"/>
           </a:p>
@@ -2329,7 +2329,7 @@
           <a:p>
             <a:fld id="{78C97017-6FC3-485B-9764-EAC9E56C1D49}" type="datetimeFigureOut">
               <a:rPr lang="en-US" smtClean="0"/>
-              <a:t>3/20/2018</a:t>
+              <a:t>3/23/2018</a:t>
             </a:fld>
             <a:endParaRPr lang="en-US"/>
           </a:p>
@@ -2604,7 +2604,7 @@
           <a:p>
             <a:fld id="{78C97017-6FC3-485B-9764-EAC9E56C1D49}" type="datetimeFigureOut">
               <a:rPr lang="en-US" smtClean="0"/>
-              <a:t>3/20/2018</a:t>
+              <a:t>3/23/2018</a:t>
             </a:fld>
             <a:endParaRPr lang="en-US"/>
           </a:p>
@@ -2856,7 +2856,7 @@
           <a:p>
             <a:fld id="{78C97017-6FC3-485B-9764-EAC9E56C1D49}" type="datetimeFigureOut">
               <a:rPr lang="en-US" smtClean="0"/>
-              <a:t>3/20/2018</a:t>
+              <a:t>3/23/2018</a:t>
             </a:fld>
             <a:endParaRPr lang="en-US"/>
           </a:p>
@@ -3067,7 +3067,7 @@
           <a:p>
             <a:fld id="{78C97017-6FC3-485B-9764-EAC9E56C1D49}" type="datetimeFigureOut">
               <a:rPr lang="en-US" smtClean="0"/>
-              <a:t>3/20/2018</a:t>
+              <a:t>3/23/2018</a:t>
             </a:fld>
             <a:endParaRPr lang="en-US"/>
           </a:p>
@@ -3450,7 +3450,7 @@
         </p:nvSpPr>
         <p:spPr>
           <a:xfrm>
-            <a:off x="1119865" y="1727200"/>
+            <a:off x="1077510" y="1806470"/>
             <a:ext cx="7643135" cy="3970640"/>
           </a:xfrm>
           <a:prstGeom prst="roundRect">
@@ -6493,8 +6493,8 @@
         </p:nvSpPr>
         <p:spPr>
           <a:xfrm>
-            <a:off x="7637844" y="4939340"/>
-            <a:ext cx="843799" cy="346760"/>
+            <a:off x="7040568" y="4987423"/>
+            <a:ext cx="1441076" cy="346760"/>
           </a:xfrm>
           <a:prstGeom prst="rect">
             <a:avLst/>
@@ -6526,12 +6526,12 @@
           <a:p>
             <a:pPr algn="ctr"/>
             <a:r>
-              <a:rPr lang="en-US" sz="1050" dirty="0">
+              <a:rPr lang="en-US" sz="1050" dirty="0" err="1">
                 <a:solidFill>
                   <a:srgbClr val="7030A0"/>
                 </a:solidFill>
               </a:rPr>
-              <a:t>Attendance</a:t>
+              <a:t>UniqueAttendanceList</a:t>
             </a:r>
             <a:endParaRPr lang="en-SG" sz="1050" dirty="0">
               <a:solidFill>
@@ -6556,13 +6556,13 @@
           <p:nvPr/>
         </p:nvCxnSpPr>
         <p:spPr>
-          <a:xfrm rot="16200000" flipV="1">
-            <a:off x="6279261" y="3401758"/>
-            <a:ext cx="1742867" cy="1327334"/>
+          <a:xfrm rot="5400000" flipH="1" flipV="1">
+            <a:off x="4685911" y="3194625"/>
+            <a:ext cx="1798011" cy="1776249"/>
           </a:xfrm>
           <a:prstGeom prst="bentConnector3">
             <a:avLst>
-              <a:gd name="adj1" fmla="val 38757"/>
+              <a:gd name="adj1" fmla="val 38583"/>
             </a:avLst>
           </a:prstGeom>
           <a:ln w="19050">
@@ -6603,7 +6603,7 @@
         </p:nvSpPr>
         <p:spPr>
           <a:xfrm>
-            <a:off x="6286643" y="3214176"/>
+            <a:off x="6484850" y="3204188"/>
             <a:ext cx="189257" cy="178683"/>
           </a:xfrm>
           <a:prstGeom prst="rect">
@@ -6653,7 +6653,7 @@
         <p:spPr>
           <a:xfrm>
             <a:off x="7257911" y="4710608"/>
-            <a:ext cx="801833" cy="228732"/>
+            <a:ext cx="503195" cy="276815"/>
           </a:xfrm>
           <a:prstGeom prst="bentConnector2">
             <a:avLst/>
@@ -6696,7 +6696,7 @@
         </p:nvSpPr>
         <p:spPr>
           <a:xfrm>
-            <a:off x="8096161" y="4758175"/>
+            <a:off x="4059172" y="5160803"/>
             <a:ext cx="189257" cy="178683"/>
           </a:xfrm>
           <a:prstGeom prst="rect">
@@ -6718,6 +6718,257 @@
                 </a:solidFill>
               </a:rPr>
               <a:t>*</a:t>
+            </a:r>
+            <a:endParaRPr lang="en-SG" sz="1100" dirty="0">
+              <a:solidFill>
+                <a:srgbClr val="7030A0"/>
+              </a:solidFill>
+            </a:endParaRPr>
+          </a:p>
+        </p:txBody>
+      </p:sp>
+      <p:sp>
+        <p:nvSpPr>
+          <p:cNvPr id="102" name="Flowchart: Decision 96">
+            <a:extLst>
+              <a:ext uri="{FF2B5EF4-FFF2-40B4-BE49-F238E27FC236}">
+                <a16:creationId xmlns:a16="http://schemas.microsoft.com/office/drawing/2014/main" id="{F9A5EAD2-E949-4051-A4E7-CA63E131D952}"/>
+              </a:ext>
+            </a:extLst>
+          </p:cNvPr>
+          <p:cNvSpPr/>
+          <p:nvPr/>
+        </p:nvSpPr>
+        <p:spPr>
+          <a:xfrm>
+            <a:off x="6800055" y="5083246"/>
+            <a:ext cx="236048" cy="173380"/>
+          </a:xfrm>
+          <a:prstGeom prst="flowChartDecision">
+            <a:avLst/>
+          </a:prstGeom>
+          <a:solidFill>
+            <a:srgbClr val="7030A0"/>
+          </a:solidFill>
+          <a:ln w="19050">
+            <a:solidFill>
+              <a:srgbClr val="7030A0"/>
+            </a:solidFill>
+          </a:ln>
+          <a:effectLst/>
+        </p:spPr>
+        <p:style>
+          <a:lnRef idx="1">
+            <a:schemeClr val="accent6"/>
+          </a:lnRef>
+          <a:fillRef idx="2">
+            <a:schemeClr val="accent6"/>
+          </a:fillRef>
+          <a:effectRef idx="1">
+            <a:schemeClr val="accent6"/>
+          </a:effectRef>
+          <a:fontRef idx="minor">
+            <a:schemeClr val="dk1"/>
+          </a:fontRef>
+        </p:style>
+        <p:txBody>
+          <a:bodyPr rtlCol="0" anchor="ctr"/>
+          <a:lstStyle/>
+          <a:p>
+            <a:pPr algn="ctr"/>
+            <a:endParaRPr lang="en-US" sz="1050"/>
+          </a:p>
+        </p:txBody>
+      </p:sp>
+      <p:sp>
+        <p:nvSpPr>
+          <p:cNvPr id="103" name="Rectangle 8">
+            <a:extLst>
+              <a:ext uri="{FF2B5EF4-FFF2-40B4-BE49-F238E27FC236}">
+                <a16:creationId xmlns:a16="http://schemas.microsoft.com/office/drawing/2014/main" id="{71E95D35-2716-4B91-A32F-EB4CD36EF334}"/>
+              </a:ext>
+            </a:extLst>
+          </p:cNvPr>
+          <p:cNvSpPr/>
+          <p:nvPr/>
+        </p:nvSpPr>
+        <p:spPr>
+          <a:xfrm>
+            <a:off x="3854989" y="4987240"/>
+            <a:ext cx="887381" cy="346760"/>
+          </a:xfrm>
+          <a:prstGeom prst="rect">
+            <a:avLst/>
+          </a:prstGeom>
+          <a:ln w="19050">
+            <a:solidFill>
+              <a:srgbClr val="7030A0"/>
+            </a:solidFill>
+          </a:ln>
+          <a:effectLst/>
+        </p:spPr>
+        <p:style>
+          <a:lnRef idx="1">
+            <a:schemeClr val="accent4"/>
+          </a:lnRef>
+          <a:fillRef idx="2">
+            <a:schemeClr val="accent4"/>
+          </a:fillRef>
+          <a:effectRef idx="1">
+            <a:schemeClr val="accent4"/>
+          </a:effectRef>
+          <a:fontRef idx="minor">
+            <a:schemeClr val="dk1"/>
+          </a:fontRef>
+        </p:style>
+        <p:txBody>
+          <a:bodyPr rtlCol="0" anchor="ctr"/>
+          <a:lstStyle/>
+          <a:p>
+            <a:pPr algn="ctr"/>
+            <a:r>
+              <a:rPr lang="en-US" sz="1050" dirty="0">
+                <a:solidFill>
+                  <a:srgbClr val="7030A0"/>
+                </a:solidFill>
+              </a:rPr>
+              <a:t>Attendance</a:t>
+            </a:r>
+          </a:p>
+        </p:txBody>
+      </p:sp>
+      <p:cxnSp>
+        <p:nvCxnSpPr>
+          <p:cNvPr id="104" name="Elbow Connector 106">
+            <a:extLst>
+              <a:ext uri="{FF2B5EF4-FFF2-40B4-BE49-F238E27FC236}">
+                <a16:creationId xmlns:a16="http://schemas.microsoft.com/office/drawing/2014/main" id="{25C7D18E-581D-4016-AB8B-BEF3E934DF3D}"/>
+              </a:ext>
+            </a:extLst>
+          </p:cNvPr>
+          <p:cNvCxnSpPr>
+            <a:cxnSpLocks/>
+            <a:stCxn id="102" idx="1"/>
+            <a:endCxn id="103" idx="3"/>
+          </p:cNvCxnSpPr>
+          <p:nvPr/>
+        </p:nvCxnSpPr>
+        <p:spPr>
+          <a:xfrm rot="10800000">
+            <a:off x="4742371" y="5160620"/>
+            <a:ext cx="2057685" cy="9316"/>
+          </a:xfrm>
+          <a:prstGeom prst="bentConnector3">
+            <a:avLst>
+              <a:gd name="adj1" fmla="val -2147"/>
+            </a:avLst>
+          </a:prstGeom>
+          <a:ln w="19050">
+            <a:solidFill>
+              <a:srgbClr val="7030A0"/>
+            </a:solidFill>
+            <a:prstDash val="solid"/>
+            <a:headEnd type="none" w="med" len="med"/>
+            <a:tailEnd type="arrow" w="med" len="med"/>
+          </a:ln>
+          <a:effectLst/>
+        </p:spPr>
+        <p:style>
+          <a:lnRef idx="1">
+            <a:schemeClr val="accent2"/>
+          </a:lnRef>
+          <a:fillRef idx="2">
+            <a:schemeClr val="accent2"/>
+          </a:fillRef>
+          <a:effectRef idx="1">
+            <a:schemeClr val="accent2"/>
+          </a:effectRef>
+          <a:fontRef idx="minor">
+            <a:schemeClr val="dk1"/>
+          </a:fontRef>
+        </p:style>
+      </p:cxnSp>
+      <p:sp>
+        <p:nvSpPr>
+          <p:cNvPr id="105" name="TextBox 104">
+            <a:extLst>
+              <a:ext uri="{FF2B5EF4-FFF2-40B4-BE49-F238E27FC236}">
+                <a16:creationId xmlns:a16="http://schemas.microsoft.com/office/drawing/2014/main" id="{704BB109-967B-4996-9594-BD2DFF9CAC90}"/>
+              </a:ext>
+            </a:extLst>
+          </p:cNvPr>
+          <p:cNvSpPr txBox="1"/>
+          <p:nvPr/>
+        </p:nvSpPr>
+        <p:spPr>
+          <a:xfrm>
+            <a:off x="4815160" y="5186176"/>
+            <a:ext cx="189257" cy="178683"/>
+          </a:xfrm>
+          <a:prstGeom prst="rect">
+            <a:avLst/>
+          </a:prstGeom>
+          <a:noFill/>
+        </p:spPr>
+        <p:txBody>
+          <a:bodyPr wrap="square" lIns="0" tIns="0" rIns="0" bIns="0" rtlCol="0">
+            <a:noAutofit/>
+          </a:bodyPr>
+          <a:lstStyle/>
+          <a:p>
+            <a:pPr algn="ctr"/>
+            <a:r>
+              <a:rPr lang="en-US" sz="1100" dirty="0">
+                <a:solidFill>
+                  <a:srgbClr val="7030A0"/>
+                </a:solidFill>
+              </a:rPr>
+              <a:t>*</a:t>
+            </a:r>
+            <a:endParaRPr lang="en-SG" sz="1100" dirty="0">
+              <a:solidFill>
+                <a:srgbClr val="7030A0"/>
+              </a:solidFill>
+            </a:endParaRPr>
+          </a:p>
+        </p:txBody>
+      </p:sp>
+      <p:sp>
+        <p:nvSpPr>
+          <p:cNvPr id="106" name="TextBox 105">
+            <a:extLst>
+              <a:ext uri="{FF2B5EF4-FFF2-40B4-BE49-F238E27FC236}">
+                <a16:creationId xmlns:a16="http://schemas.microsoft.com/office/drawing/2014/main" id="{EEBE09B0-2E87-40B9-8979-30887D30F19C}"/>
+              </a:ext>
+            </a:extLst>
+          </p:cNvPr>
+          <p:cNvSpPr txBox="1"/>
+          <p:nvPr/>
+        </p:nvSpPr>
+        <p:spPr>
+          <a:xfrm>
+            <a:off x="7784968" y="4804387"/>
+            <a:ext cx="189257" cy="178683"/>
+          </a:xfrm>
+          <a:prstGeom prst="rect">
+            <a:avLst/>
+          </a:prstGeom>
+          <a:noFill/>
+        </p:spPr>
+        <p:txBody>
+          <a:bodyPr wrap="square" lIns="0" tIns="0" rIns="0" bIns="0" rtlCol="0">
+            <a:noAutofit/>
+          </a:bodyPr>
+          <a:lstStyle/>
+          <a:p>
+            <a:pPr algn="ctr"/>
+            <a:r>
+              <a:rPr lang="en-US" sz="1100" dirty="0">
+                <a:solidFill>
+                  <a:srgbClr val="7030A0"/>
+                </a:solidFill>
+              </a:rPr>
+              <a:t>1</a:t>
             </a:r>
             <a:endParaRPr lang="en-SG" sz="1100" dirty="0">
               <a:solidFill>

--- a/docs/diagrams/ModelComponentClassDiagram.pptx
+++ b/docs/diagrams/ModelComponentClassDiagram.pptx
@@ -208,7 +208,7 @@
           <a:p>
             <a:fld id="{F5CC4B3F-88C1-4FFA-B1B6-F41C21DC6924}" type="datetimeFigureOut">
               <a:rPr lang="en-US" smtClean="0"/>
-              <a:t>3/23/2018</a:t>
+              <a:t>4/1/2018</a:t>
             </a:fld>
             <a:endParaRPr lang="en-US"/>
           </a:p>
@@ -654,7 +654,7 @@
           <a:p>
             <a:fld id="{78C97017-6FC3-485B-9764-EAC9E56C1D49}" type="datetimeFigureOut">
               <a:rPr lang="en-US" smtClean="0"/>
-              <a:t>3/23/2018</a:t>
+              <a:t>4/1/2018</a:t>
             </a:fld>
             <a:endParaRPr lang="en-US"/>
           </a:p>
@@ -822,7 +822,7 @@
           <a:p>
             <a:fld id="{78C97017-6FC3-485B-9764-EAC9E56C1D49}" type="datetimeFigureOut">
               <a:rPr lang="en-US" smtClean="0"/>
-              <a:t>3/23/2018</a:t>
+              <a:t>4/1/2018</a:t>
             </a:fld>
             <a:endParaRPr lang="en-US"/>
           </a:p>
@@ -1000,7 +1000,7 @@
           <a:p>
             <a:fld id="{78C97017-6FC3-485B-9764-EAC9E56C1D49}" type="datetimeFigureOut">
               <a:rPr lang="en-US" smtClean="0"/>
-              <a:t>3/23/2018</a:t>
+              <a:t>4/1/2018</a:t>
             </a:fld>
             <a:endParaRPr lang="en-US"/>
           </a:p>
@@ -1168,7 +1168,7 @@
           <a:p>
             <a:fld id="{78C97017-6FC3-485B-9764-EAC9E56C1D49}" type="datetimeFigureOut">
               <a:rPr lang="en-US" smtClean="0"/>
-              <a:t>3/23/2018</a:t>
+              <a:t>4/1/2018</a:t>
             </a:fld>
             <a:endParaRPr lang="en-US"/>
           </a:p>
@@ -1413,7 +1413,7 @@
           <a:p>
             <a:fld id="{78C97017-6FC3-485B-9764-EAC9E56C1D49}" type="datetimeFigureOut">
               <a:rPr lang="en-US" smtClean="0"/>
-              <a:t>3/23/2018</a:t>
+              <a:t>4/1/2018</a:t>
             </a:fld>
             <a:endParaRPr lang="en-US"/>
           </a:p>
@@ -1698,7 +1698,7 @@
           <a:p>
             <a:fld id="{78C97017-6FC3-485B-9764-EAC9E56C1D49}" type="datetimeFigureOut">
               <a:rPr lang="en-US" smtClean="0"/>
-              <a:t>3/23/2018</a:t>
+              <a:t>4/1/2018</a:t>
             </a:fld>
             <a:endParaRPr lang="en-US"/>
           </a:p>
@@ -2117,7 +2117,7 @@
           <a:p>
             <a:fld id="{78C97017-6FC3-485B-9764-EAC9E56C1D49}" type="datetimeFigureOut">
               <a:rPr lang="en-US" smtClean="0"/>
-              <a:t>3/23/2018</a:t>
+              <a:t>4/1/2018</a:t>
             </a:fld>
             <a:endParaRPr lang="en-US"/>
           </a:p>
@@ -2234,7 +2234,7 @@
           <a:p>
             <a:fld id="{78C97017-6FC3-485B-9764-EAC9E56C1D49}" type="datetimeFigureOut">
               <a:rPr lang="en-US" smtClean="0"/>
-              <a:t>3/23/2018</a:t>
+              <a:t>4/1/2018</a:t>
             </a:fld>
             <a:endParaRPr lang="en-US"/>
           </a:p>
@@ -2329,7 +2329,7 @@
           <a:p>
             <a:fld id="{78C97017-6FC3-485B-9764-EAC9E56C1D49}" type="datetimeFigureOut">
               <a:rPr lang="en-US" smtClean="0"/>
-              <a:t>3/23/2018</a:t>
+              <a:t>4/1/2018</a:t>
             </a:fld>
             <a:endParaRPr lang="en-US"/>
           </a:p>
@@ -2604,7 +2604,7 @@
           <a:p>
             <a:fld id="{78C97017-6FC3-485B-9764-EAC9E56C1D49}" type="datetimeFigureOut">
               <a:rPr lang="en-US" smtClean="0"/>
-              <a:t>3/23/2018</a:t>
+              <a:t>4/1/2018</a:t>
             </a:fld>
             <a:endParaRPr lang="en-US"/>
           </a:p>
@@ -2856,7 +2856,7 @@
           <a:p>
             <a:fld id="{78C97017-6FC3-485B-9764-EAC9E56C1D49}" type="datetimeFigureOut">
               <a:rPr lang="en-US" smtClean="0"/>
-              <a:t>3/23/2018</a:t>
+              <a:t>4/1/2018</a:t>
             </a:fld>
             <a:endParaRPr lang="en-US"/>
           </a:p>
@@ -3067,7 +3067,7 @@
           <a:p>
             <a:fld id="{78C97017-6FC3-485B-9764-EAC9E56C1D49}" type="datetimeFigureOut">
               <a:rPr lang="en-US" smtClean="0"/>
-              <a:t>3/23/2018</a:t>
+              <a:t>4/1/2018</a:t>
             </a:fld>
             <a:endParaRPr lang="en-US"/>
           </a:p>
@@ -6975,6 +6975,93 @@
                 <a:srgbClr val="7030A0"/>
               </a:solidFill>
             </a:endParaRPr>
+          </a:p>
+        </p:txBody>
+      </p:sp>
+      <p:cxnSp>
+        <p:nvCxnSpPr>
+          <p:cNvPr id="95" name="Elbow Connector 49">
+            <a:extLst>
+              <a:ext uri="{FF2B5EF4-FFF2-40B4-BE49-F238E27FC236}">
+                <a16:creationId xmlns:a16="http://schemas.microsoft.com/office/drawing/2014/main" id="{0291E3C6-0716-44BA-835E-9A85335856B0}"/>
+              </a:ext>
+            </a:extLst>
+          </p:cNvPr>
+          <p:cNvCxnSpPr>
+            <a:cxnSpLocks/>
+          </p:cNvCxnSpPr>
+          <p:nvPr/>
+        </p:nvCxnSpPr>
+        <p:spPr>
+          <a:xfrm rot="5400000" flipH="1" flipV="1">
+            <a:off x="5122858" y="3934726"/>
+            <a:ext cx="426494" cy="2372054"/>
+          </a:xfrm>
+          <a:prstGeom prst="bentConnector3">
+            <a:avLst>
+              <a:gd name="adj1" fmla="val -53600"/>
+            </a:avLst>
+          </a:prstGeom>
+          <a:ln w="19050">
+            <a:solidFill>
+              <a:srgbClr val="7030A0"/>
+            </a:solidFill>
+            <a:headEnd type="none" w="med" len="med"/>
+            <a:tailEnd type="arrow" w="med" len="med"/>
+          </a:ln>
+          <a:effectLst/>
+        </p:spPr>
+        <p:style>
+          <a:lnRef idx="1">
+            <a:schemeClr val="accent2"/>
+          </a:lnRef>
+          <a:fillRef idx="2">
+            <a:schemeClr val="accent2"/>
+          </a:fillRef>
+          <a:effectRef idx="1">
+            <a:schemeClr val="accent2"/>
+          </a:effectRef>
+          <a:fontRef idx="minor">
+            <a:schemeClr val="dk1"/>
+          </a:fontRef>
+        </p:style>
+      </p:cxnSp>
+      <p:sp>
+        <p:nvSpPr>
+          <p:cNvPr id="108" name="TextBox 107">
+            <a:extLst>
+              <a:ext uri="{FF2B5EF4-FFF2-40B4-BE49-F238E27FC236}">
+                <a16:creationId xmlns:a16="http://schemas.microsoft.com/office/drawing/2014/main" id="{159ED2ED-F9C9-4B5E-89CE-1C51E2429208}"/>
+              </a:ext>
+            </a:extLst>
+          </p:cNvPr>
+          <p:cNvSpPr txBox="1"/>
+          <p:nvPr/>
+        </p:nvSpPr>
+        <p:spPr>
+          <a:xfrm>
+            <a:off x="5755389" y="5542535"/>
+            <a:ext cx="731290" cy="261610"/>
+          </a:xfrm>
+          <a:prstGeom prst="rect">
+            <a:avLst/>
+          </a:prstGeom>
+          <a:noFill/>
+        </p:spPr>
+        <p:txBody>
+          <a:bodyPr wrap="none" rtlCol="0">
+            <a:spAutoFit/>
+          </a:bodyPr>
+          <a:lstStyle/>
+          <a:p>
+            <a:r>
+              <a:rPr lang="en-SG" sz="1100" dirty="0">
+                <a:solidFill>
+                  <a:srgbClr val="7030A0"/>
+                </a:solidFill>
+              </a:rPr>
+              <a:t>container</a:t>
+            </a:r>
           </a:p>
         </p:txBody>
       </p:sp>
